--- a/Session 29 - Developing with the Power BI Quick Create SDK.pptx
+++ b/Session 29 - Developing with the Power BI Quick Create SDK.pptx
@@ -5,10 +5,10 @@
     <p:sldMasterId id="2147484551" r:id="rId4"/>
   </p:sldMasterIdLst>
   <p:notesMasterIdLst>
-    <p:notesMasterId r:id="rId23"/>
+    <p:notesMasterId r:id="rId25"/>
   </p:notesMasterIdLst>
   <p:handoutMasterIdLst>
-    <p:handoutMasterId r:id="rId24"/>
+    <p:handoutMasterId r:id="rId26"/>
   </p:handoutMasterIdLst>
   <p:sldIdLst>
     <p:sldId id="4474" r:id="rId5"/>
@@ -25,10 +25,12 @@
     <p:sldId id="2076138644" r:id="rId16"/>
     <p:sldId id="2076138645" r:id="rId17"/>
     <p:sldId id="2076138646" r:id="rId18"/>
-    <p:sldId id="263" r:id="rId19"/>
-    <p:sldId id="261" r:id="rId20"/>
-    <p:sldId id="2076138640" r:id="rId21"/>
-    <p:sldId id="4505" r:id="rId22"/>
+    <p:sldId id="2076138647" r:id="rId19"/>
+    <p:sldId id="2076138648" r:id="rId20"/>
+    <p:sldId id="263" r:id="rId21"/>
+    <p:sldId id="261" r:id="rId22"/>
+    <p:sldId id="2076138640" r:id="rId23"/>
+    <p:sldId id="4505" r:id="rId24"/>
   </p:sldIdLst>
   <p:sldSz cx="12436475" cy="6994525"/>
   <p:notesSz cx="7010400" cy="9296400"/>
@@ -146,6 +148,8 @@
             <p14:sldId id="2076138644"/>
             <p14:sldId id="2076138645"/>
             <p14:sldId id="2076138646"/>
+            <p14:sldId id="2076138647"/>
+            <p14:sldId id="2076138648"/>
             <p14:sldId id="263"/>
             <p14:sldId id="261"/>
             <p14:sldId id="2076138640"/>
@@ -497,7 +501,7 @@
           <a:p>
             <a:fld id="{DCE60099-03E7-4FA1-8A7F-E6E6CFB0F855}" type="datetime8">
               <a:rPr lang="en-US" smtClean="0"/>
-              <a:t>12/15/2022 7:39 AM</a:t>
+              <a:t>12/15/2022 12:23 PM</a:t>
             </a:fld>
             <a:endParaRPr lang="en-US"/>
           </a:p>
@@ -1149,7 +1153,7 @@
             <a:fld id="{B4008EB6-D09E-4580-8CD6-DDB14511944F}" type="slidenum">
               <a:rPr lang="en-US" smtClean="0"/>
               <a:pPr/>
-              <a:t>18</a:t>
+              <a:t>20</a:t>
             </a:fld>
             <a:endParaRPr lang="en-US"/>
           </a:p>
@@ -3173,7 +3177,11 @@
               <a:t>Use a Microsoft authentication library such as </a:t>
             </a:r>
             <a:r>
-              <a:rPr lang="en-US" b="1" dirty="0"/>
+              <a:rPr lang="en-US" b="1" dirty="0">
+                <a:solidFill>
+                  <a:srgbClr val="680000"/>
+                </a:solidFill>
+              </a:rPr>
               <a:t>msal-browser.js</a:t>
             </a:r>
           </a:p>
@@ -3184,7 +3192,11 @@
               <a:t>User permissions: </a:t>
             </a:r>
             <a:r>
-              <a:rPr lang="en-US" sz="1800" b="1" dirty="0" err="1"/>
+              <a:rPr lang="en-US" sz="1800" b="1" dirty="0" err="1">
+                <a:solidFill>
+                  <a:srgbClr val="680000"/>
+                </a:solidFill>
+              </a:rPr>
               <a:t>Content.Create</a:t>
             </a:r>
             <a:r>
@@ -3192,7 +3204,11 @@
               <a:t>, </a:t>
             </a:r>
             <a:r>
-              <a:rPr lang="en-US" sz="1800" b="1" dirty="0" err="1"/>
+              <a:rPr lang="en-US" sz="1800" b="1" dirty="0" err="1">
+                <a:solidFill>
+                  <a:srgbClr val="680000"/>
+                </a:solidFill>
+              </a:rPr>
               <a:t>Dataset.ReadWrite.All</a:t>
             </a:r>
             <a:r>
@@ -3200,7 +3216,11 @@
               <a:t>, </a:t>
             </a:r>
             <a:r>
-              <a:rPr lang="en-US" sz="1800" b="1" dirty="0" err="1"/>
+              <a:rPr lang="en-US" sz="1800" b="1" dirty="0" err="1">
+                <a:solidFill>
+                  <a:srgbClr val="680000"/>
+                </a:solidFill>
+              </a:rPr>
               <a:t>Report.Read.All</a:t>
             </a:r>
             <a:r>
@@ -3208,10 +3228,18 @@
               <a:t> &amp; </a:t>
             </a:r>
             <a:r>
-              <a:rPr lang="en-US" sz="1800" b="1" dirty="0" err="1"/>
+              <a:rPr lang="en-US" sz="1800" b="1" dirty="0" err="1">
+                <a:solidFill>
+                  <a:srgbClr val="680000"/>
+                </a:solidFill>
+              </a:rPr>
               <a:t>Workspace.Read.All</a:t>
             </a:r>
-            <a:endParaRPr lang="en-US" b="1" dirty="0"/>
+            <a:endParaRPr lang="en-US" b="1" dirty="0">
+              <a:solidFill>
+                <a:srgbClr val="680000"/>
+              </a:solidFill>
+            </a:endParaRPr>
           </a:p>
         </p:txBody>
       </p:sp>
@@ -3228,6 +3256,147 @@
   <p:transition>
     <p:fade/>
   </p:transition>
+  <p:timing>
+    <p:tnLst>
+      <p:par>
+        <p:cTn id="1" dur="indefinite" restart="never" nodeType="tmRoot">
+          <p:childTnLst>
+            <p:seq concurrent="1" nextAc="seek">
+              <p:cTn id="2" dur="indefinite" nodeType="mainSeq">
+                <p:childTnLst>
+                  <p:par>
+                    <p:cTn id="3" fill="hold">
+                      <p:stCondLst>
+                        <p:cond delay="indefinite"/>
+                      </p:stCondLst>
+                      <p:childTnLst>
+                        <p:par>
+                          <p:cTn id="4" fill="hold">
+                            <p:stCondLst>
+                              <p:cond delay="0"/>
+                            </p:stCondLst>
+                            <p:childTnLst>
+                              <p:par>
+                                <p:cTn id="5" presetID="1" presetClass="entr" presetSubtype="0" fill="hold" nodeType="clickEffect">
+                                  <p:stCondLst>
+                                    <p:cond delay="0"/>
+                                  </p:stCondLst>
+                                  <p:childTnLst>
+                                    <p:set>
+                                      <p:cBhvr>
+                                        <p:cTn id="6" dur="1" fill="hold">
+                                          <p:stCondLst>
+                                            <p:cond delay="0"/>
+                                          </p:stCondLst>
+                                        </p:cTn>
+                                        <p:tgtEl>
+                                          <p:spTgt spid="3">
+                                            <p:txEl>
+                                              <p:pRg st="4" end="4"/>
+                                            </p:txEl>
+                                          </p:spTgt>
+                                        </p:tgtEl>
+                                        <p:attrNameLst>
+                                          <p:attrName>style.visibility</p:attrName>
+                                        </p:attrNameLst>
+                                      </p:cBhvr>
+                                      <p:to>
+                                        <p:strVal val="visible"/>
+                                      </p:to>
+                                    </p:set>
+                                  </p:childTnLst>
+                                </p:cTn>
+                              </p:par>
+                              <p:par>
+                                <p:cTn id="7" presetID="1" presetClass="entr" presetSubtype="0" fill="hold" nodeType="withEffect">
+                                  <p:stCondLst>
+                                    <p:cond delay="0"/>
+                                  </p:stCondLst>
+                                  <p:childTnLst>
+                                    <p:set>
+                                      <p:cBhvr>
+                                        <p:cTn id="8" dur="1" fill="hold">
+                                          <p:stCondLst>
+                                            <p:cond delay="0"/>
+                                          </p:stCondLst>
+                                        </p:cTn>
+                                        <p:tgtEl>
+                                          <p:spTgt spid="3">
+                                            <p:txEl>
+                                              <p:pRg st="5" end="5"/>
+                                            </p:txEl>
+                                          </p:spTgt>
+                                        </p:tgtEl>
+                                        <p:attrNameLst>
+                                          <p:attrName>style.visibility</p:attrName>
+                                        </p:attrNameLst>
+                                      </p:cBhvr>
+                                      <p:to>
+                                        <p:strVal val="visible"/>
+                                      </p:to>
+                                    </p:set>
+                                  </p:childTnLst>
+                                </p:cTn>
+                              </p:par>
+                              <p:par>
+                                <p:cTn id="9" presetID="1" presetClass="entr" presetSubtype="0" fill="hold" nodeType="withEffect">
+                                  <p:stCondLst>
+                                    <p:cond delay="0"/>
+                                  </p:stCondLst>
+                                  <p:childTnLst>
+                                    <p:set>
+                                      <p:cBhvr>
+                                        <p:cTn id="10" dur="1" fill="hold">
+                                          <p:stCondLst>
+                                            <p:cond delay="0"/>
+                                          </p:stCondLst>
+                                        </p:cTn>
+                                        <p:tgtEl>
+                                          <p:spTgt spid="3">
+                                            <p:txEl>
+                                              <p:pRg st="6" end="6"/>
+                                            </p:txEl>
+                                          </p:spTgt>
+                                        </p:tgtEl>
+                                        <p:attrNameLst>
+                                          <p:attrName>style.visibility</p:attrName>
+                                        </p:attrNameLst>
+                                      </p:cBhvr>
+                                      <p:to>
+                                        <p:strVal val="visible"/>
+                                      </p:to>
+                                    </p:set>
+                                  </p:childTnLst>
+                                </p:cTn>
+                              </p:par>
+                            </p:childTnLst>
+                          </p:cTn>
+                        </p:par>
+                      </p:childTnLst>
+                    </p:cTn>
+                  </p:par>
+                </p:childTnLst>
+              </p:cTn>
+              <p:prevCondLst>
+                <p:cond evt="onPrev" delay="0">
+                  <p:tgtEl>
+                    <p:sldTgt/>
+                  </p:tgtEl>
+                </p:cond>
+              </p:prevCondLst>
+              <p:nextCondLst>
+                <p:cond evt="onNext" delay="0">
+                  <p:tgtEl>
+                    <p:sldTgt/>
+                  </p:tgtEl>
+                </p:cond>
+              </p:nextCondLst>
+            </p:seq>
+          </p:childTnLst>
+        </p:cTn>
+      </p:par>
+    </p:tnLst>
+  </p:timing>
 </p:sld>
 </file>
 
@@ -3959,10 +4128,10 @@
       </p:pic>
       <p:grpSp>
         <p:nvGrpSpPr>
-          <p:cNvPr id="11" name="Group 10">
+          <p:cNvPr id="3" name="Group 2">
             <a:extLst>
               <a:ext uri="{FF2B5EF4-FFF2-40B4-BE49-F238E27FC236}">
-                <a16:creationId xmlns:a16="http://schemas.microsoft.com/office/drawing/2014/main" id="{8B6042FE-F77C-FCF3-0190-0C28B58A4D1E}"/>
+                <a16:creationId xmlns:a16="http://schemas.microsoft.com/office/drawing/2014/main" id="{D279B015-6FA5-E9FE-B646-810C9E01083B}"/>
               </a:ext>
             </a:extLst>
           </p:cNvPr>
@@ -3971,52 +4140,151 @@
         </p:nvGrpSpPr>
         <p:grpSpPr>
           <a:xfrm>
-            <a:off x="7009530" y="3116826"/>
-            <a:ext cx="5261127" cy="1961351"/>
-            <a:chOff x="6419596" y="2310581"/>
-            <a:chExt cx="5507944" cy="2053364"/>
+            <a:off x="7009530" y="2585883"/>
+            <a:ext cx="5261127" cy="2492294"/>
+            <a:chOff x="7009530" y="2585883"/>
+            <a:chExt cx="5261127" cy="2492294"/>
           </a:xfrm>
         </p:grpSpPr>
-        <p:pic>
-          <p:nvPicPr>
-            <p:cNvPr id="9" name="Picture 8">
+        <p:grpSp>
+          <p:nvGrpSpPr>
+            <p:cNvPr id="11" name="Group 10">
               <a:extLst>
                 <a:ext uri="{FF2B5EF4-FFF2-40B4-BE49-F238E27FC236}">
-                  <a16:creationId xmlns:a16="http://schemas.microsoft.com/office/drawing/2014/main" id="{94389A78-80C4-7EDD-B2BB-A61306E1AFD2}"/>
+                  <a16:creationId xmlns:a16="http://schemas.microsoft.com/office/drawing/2014/main" id="{8B6042FE-F77C-FCF3-0190-0C28B58A4D1E}"/>
                 </a:ext>
               </a:extLst>
             </p:cNvPr>
-            <p:cNvPicPr>
-              <a:picLocks noChangeAspect="1"/>
-            </p:cNvPicPr>
+            <p:cNvGrpSpPr/>
             <p:nvPr/>
-          </p:nvPicPr>
-          <p:blipFill rotWithShape="1">
-            <a:blip r:embed="rId3"/>
-            <a:srcRect r="37979"/>
-            <a:stretch/>
-          </p:blipFill>
-          <p:spPr>
+          </p:nvGrpSpPr>
+          <p:grpSpPr>
             <a:xfrm>
-              <a:off x="6430500" y="2634021"/>
-              <a:ext cx="5483593" cy="1729924"/>
+              <a:off x="7009530" y="3116826"/>
+              <a:ext cx="5261127" cy="1961351"/>
+              <a:chOff x="6419596" y="2310581"/>
+              <a:chExt cx="5507944" cy="2053364"/>
             </a:xfrm>
-            <a:prstGeom prst="rect">
-              <a:avLst/>
-            </a:prstGeom>
-            <a:ln>
+          </p:grpSpPr>
+          <p:pic>
+            <p:nvPicPr>
+              <p:cNvPr id="9" name="Picture 8">
+                <a:extLst>
+                  <a:ext uri="{FF2B5EF4-FFF2-40B4-BE49-F238E27FC236}">
+                    <a16:creationId xmlns:a16="http://schemas.microsoft.com/office/drawing/2014/main" id="{94389A78-80C4-7EDD-B2BB-A61306E1AFD2}"/>
+                  </a:ext>
+                </a:extLst>
+              </p:cNvPr>
+              <p:cNvPicPr>
+                <a:picLocks noChangeAspect="1"/>
+              </p:cNvPicPr>
+              <p:nvPr/>
+            </p:nvPicPr>
+            <p:blipFill rotWithShape="1">
+              <a:blip r:embed="rId3"/>
+              <a:srcRect r="37979"/>
+              <a:stretch/>
+            </p:blipFill>
+            <p:spPr>
+              <a:xfrm>
+                <a:off x="6430500" y="2634021"/>
+                <a:ext cx="5483593" cy="1729924"/>
+              </a:xfrm>
+              <a:prstGeom prst="rect">
+                <a:avLst/>
+              </a:prstGeom>
+              <a:ln>
+                <a:solidFill>
+                  <a:schemeClr val="tx1"/>
+                </a:solidFill>
+              </a:ln>
+            </p:spPr>
+          </p:pic>
+          <p:sp>
+            <p:nvSpPr>
+              <p:cNvPr id="10" name="Rectangle 9">
+                <a:extLst>
+                  <a:ext uri="{FF2B5EF4-FFF2-40B4-BE49-F238E27FC236}">
+                    <a16:creationId xmlns:a16="http://schemas.microsoft.com/office/drawing/2014/main" id="{15796424-BE4B-E182-F8ED-51B6DAB1F105}"/>
+                  </a:ext>
+                </a:extLst>
+              </p:cNvPr>
+              <p:cNvSpPr/>
+              <p:nvPr/>
+            </p:nvSpPr>
+            <p:spPr bwMode="auto">
+              <a:xfrm>
+                <a:off x="6419596" y="2310581"/>
+                <a:ext cx="5507944" cy="334296"/>
+              </a:xfrm>
+              <a:prstGeom prst="rect">
+                <a:avLst/>
+              </a:prstGeom>
               <a:solidFill>
                 <a:schemeClr val="tx1"/>
               </a:solidFill>
-            </a:ln>
-          </p:spPr>
-        </p:pic>
+              <a:ln>
+                <a:noFill/>
+                <a:headEnd type="none" w="med" len="med"/>
+                <a:tailEnd type="none" w="med" len="med"/>
+              </a:ln>
+              <a:effectLst/>
+            </p:spPr>
+            <p:style>
+              <a:lnRef idx="1">
+                <a:schemeClr val="accent2"/>
+              </a:lnRef>
+              <a:fillRef idx="3">
+                <a:schemeClr val="accent2"/>
+              </a:fillRef>
+              <a:effectRef idx="2">
+                <a:schemeClr val="accent2"/>
+              </a:effectRef>
+              <a:fontRef idx="minor">
+                <a:schemeClr val="lt1"/>
+              </a:fontRef>
+            </p:style>
+            <p:txBody>
+              <a:bodyPr rot="0" spcFirstLastPara="0" vertOverflow="overflow" horzOverflow="overflow" vert="horz" wrap="square" lIns="182880" tIns="146304" rIns="182880" bIns="146304" numCol="1" spcCol="0" rtlCol="0" fromWordArt="0" anchor="ctr" anchorCtr="0" forceAA="0" compatLnSpc="1">
+                <a:prstTxWarp prst="textNoShape">
+                  <a:avLst/>
+                </a:prstTxWarp>
+                <a:noAutofit/>
+              </a:bodyPr>
+              <a:lstStyle/>
+              <a:p>
+                <a:pPr defTabSz="932472" fontAlgn="base">
+                  <a:lnSpc>
+                    <a:spcPct val="90000"/>
+                  </a:lnSpc>
+                  <a:spcBef>
+                    <a:spcPct val="0"/>
+                  </a:spcBef>
+                  <a:spcAft>
+                    <a:spcPct val="0"/>
+                  </a:spcAft>
+                </a:pPr>
+                <a:r>
+                  <a:rPr lang="en-US" sz="1200" dirty="0">
+                    <a:solidFill>
+                      <a:schemeClr val="accent1"/>
+                    </a:solidFill>
+                    <a:latin typeface="Arial Black" panose="020B0A04020102020204" pitchFamily="34" charset="0"/>
+                    <a:ea typeface="Segoe UI" pitchFamily="34" charset="0"/>
+                    <a:cs typeface="Segoe UI" pitchFamily="34" charset="0"/>
+                  </a:rPr>
+                  <a:t>M Code to query datasource</a:t>
+                </a:r>
+              </a:p>
+            </p:txBody>
+          </p:sp>
+        </p:grpSp>
         <p:sp>
           <p:nvSpPr>
-            <p:cNvPr id="10" name="Rectangle 9">
+            <p:cNvPr id="12" name="Arrow: Down 11">
               <a:extLst>
                 <a:ext uri="{FF2B5EF4-FFF2-40B4-BE49-F238E27FC236}">
-                  <a16:creationId xmlns:a16="http://schemas.microsoft.com/office/drawing/2014/main" id="{15796424-BE4B-E182-F8ED-51B6DAB1F105}"/>
+                  <a16:creationId xmlns:a16="http://schemas.microsoft.com/office/drawing/2014/main" id="{AD86A223-FABD-9E64-8D6A-26C0094F6CEC}"/>
                 </a:ext>
               </a:extLst>
             </p:cNvPr>
@@ -4025,17 +4293,19 @@
           </p:nvSpPr>
           <p:spPr bwMode="auto">
             <a:xfrm>
-              <a:off x="6419596" y="2310581"/>
-              <a:ext cx="5507944" cy="334296"/>
+              <a:off x="7678993" y="2585883"/>
+              <a:ext cx="521110" cy="383458"/>
             </a:xfrm>
-            <a:prstGeom prst="rect">
+            <a:prstGeom prst="downArrow">
               <a:avLst/>
             </a:prstGeom>
             <a:solidFill>
-              <a:schemeClr val="tx1"/>
+              <a:schemeClr val="accent1"/>
             </a:solidFill>
-            <a:ln>
-              <a:noFill/>
+            <a:ln w="38100">
+              <a:solidFill>
+                <a:srgbClr val="920000"/>
+              </a:solidFill>
               <a:headEnd type="none" w="med" len="med"/>
               <a:tailEnd type="none" w="med" len="med"/>
             </a:ln>
@@ -4056,7 +4326,7 @@
             </a:fontRef>
           </p:style>
           <p:txBody>
-            <a:bodyPr rot="0" spcFirstLastPara="0" vertOverflow="overflow" horzOverflow="overflow" vert="horz" wrap="square" lIns="182880" tIns="146304" rIns="182880" bIns="146304" numCol="1" spcCol="0" rtlCol="0" fromWordArt="0" anchor="ctr" anchorCtr="0" forceAA="0" compatLnSpc="1">
+            <a:bodyPr rot="0" spcFirstLastPara="0" vertOverflow="overflow" horzOverflow="overflow" vert="horz" wrap="square" lIns="182880" tIns="146304" rIns="182880" bIns="146304" numCol="1" spcCol="0" rtlCol="0" fromWordArt="0" anchor="t" anchorCtr="0" forceAA="0" compatLnSpc="1">
               <a:prstTxWarp prst="textNoShape">
                 <a:avLst/>
               </a:prstTxWarp>
@@ -4064,7 +4334,7 @@
             </a:bodyPr>
             <a:lstStyle/>
             <a:p>
-              <a:pPr defTabSz="932472" fontAlgn="base">
+              <a:pPr algn="ctr" defTabSz="932472" fontAlgn="base">
                 <a:lnSpc>
                   <a:spcPct val="90000"/>
                 </a:lnSpc>
@@ -4075,105 +4345,25 @@
                   <a:spcPct val="0"/>
                 </a:spcAft>
               </a:pPr>
-              <a:r>
-                <a:rPr lang="en-US" sz="1200" dirty="0">
-                  <a:solidFill>
-                    <a:schemeClr val="accent1"/>
-                  </a:solidFill>
-                  <a:latin typeface="Arial Black" panose="020B0A04020102020204" pitchFamily="34" charset="0"/>
-                  <a:ea typeface="Segoe UI" pitchFamily="34" charset="0"/>
-                  <a:cs typeface="Segoe UI" pitchFamily="34" charset="0"/>
-                </a:rPr>
-                <a:t>M Code to query datasource</a:t>
-              </a:r>
+              <a:endParaRPr lang="en-US" sz="2400" dirty="0" err="1">
+                <a:gradFill>
+                  <a:gsLst>
+                    <a:gs pos="0">
+                      <a:srgbClr val="FFFFFF"/>
+                    </a:gs>
+                    <a:gs pos="100000">
+                      <a:srgbClr val="FFFFFF"/>
+                    </a:gs>
+                  </a:gsLst>
+                  <a:lin ang="5400000" scaled="0"/>
+                </a:gradFill>
+                <a:ea typeface="Segoe UI" pitchFamily="34" charset="0"/>
+                <a:cs typeface="Segoe UI" pitchFamily="34" charset="0"/>
+              </a:endParaRPr>
             </a:p>
           </p:txBody>
         </p:sp>
       </p:grpSp>
-      <p:sp>
-        <p:nvSpPr>
-          <p:cNvPr id="12" name="Arrow: Down 11">
-            <a:extLst>
-              <a:ext uri="{FF2B5EF4-FFF2-40B4-BE49-F238E27FC236}">
-                <a16:creationId xmlns:a16="http://schemas.microsoft.com/office/drawing/2014/main" id="{AD86A223-FABD-9E64-8D6A-26C0094F6CEC}"/>
-              </a:ext>
-            </a:extLst>
-          </p:cNvPr>
-          <p:cNvSpPr/>
-          <p:nvPr/>
-        </p:nvSpPr>
-        <p:spPr bwMode="auto">
-          <a:xfrm>
-            <a:off x="7678993" y="2585883"/>
-            <a:ext cx="521110" cy="383458"/>
-          </a:xfrm>
-          <a:prstGeom prst="downArrow">
-            <a:avLst/>
-          </a:prstGeom>
-          <a:solidFill>
-            <a:schemeClr val="accent1"/>
-          </a:solidFill>
-          <a:ln w="38100">
-            <a:solidFill>
-              <a:srgbClr val="920000"/>
-            </a:solidFill>
-            <a:headEnd type="none" w="med" len="med"/>
-            <a:tailEnd type="none" w="med" len="med"/>
-          </a:ln>
-          <a:effectLst/>
-        </p:spPr>
-        <p:style>
-          <a:lnRef idx="1">
-            <a:schemeClr val="accent2"/>
-          </a:lnRef>
-          <a:fillRef idx="3">
-            <a:schemeClr val="accent2"/>
-          </a:fillRef>
-          <a:effectRef idx="2">
-            <a:schemeClr val="accent2"/>
-          </a:effectRef>
-          <a:fontRef idx="minor">
-            <a:schemeClr val="lt1"/>
-          </a:fontRef>
-        </p:style>
-        <p:txBody>
-          <a:bodyPr rot="0" spcFirstLastPara="0" vertOverflow="overflow" horzOverflow="overflow" vert="horz" wrap="square" lIns="182880" tIns="146304" rIns="182880" bIns="146304" numCol="1" spcCol="0" rtlCol="0" fromWordArt="0" anchor="t" anchorCtr="0" forceAA="0" compatLnSpc="1">
-            <a:prstTxWarp prst="textNoShape">
-              <a:avLst/>
-            </a:prstTxWarp>
-            <a:noAutofit/>
-          </a:bodyPr>
-          <a:lstStyle/>
-          <a:p>
-            <a:pPr algn="ctr" defTabSz="932472" fontAlgn="base">
-              <a:lnSpc>
-                <a:spcPct val="90000"/>
-              </a:lnSpc>
-              <a:spcBef>
-                <a:spcPct val="0"/>
-              </a:spcBef>
-              <a:spcAft>
-                <a:spcPct val="0"/>
-              </a:spcAft>
-            </a:pPr>
-            <a:endParaRPr lang="en-US" sz="2400" dirty="0" err="1">
-              <a:gradFill>
-                <a:gsLst>
-                  <a:gs pos="0">
-                    <a:srgbClr val="FFFFFF"/>
-                  </a:gs>
-                  <a:gs pos="100000">
-                    <a:srgbClr val="FFFFFF"/>
-                  </a:gs>
-                </a:gsLst>
-                <a:lin ang="5400000" scaled="0"/>
-              </a:gradFill>
-              <a:ea typeface="Segoe UI" pitchFamily="34" charset="0"/>
-              <a:cs typeface="Segoe UI" pitchFamily="34" charset="0"/>
-            </a:endParaRPr>
-          </a:p>
-        </p:txBody>
-      </p:sp>
     </p:spTree>
     <p:extLst>
       <p:ext uri="{BB962C8B-B14F-4D97-AF65-F5344CB8AC3E}">
@@ -4187,6 +4377,81 @@
   <p:transition>
     <p:fade/>
   </p:transition>
+  <p:timing>
+    <p:tnLst>
+      <p:par>
+        <p:cTn id="1" dur="indefinite" restart="never" nodeType="tmRoot">
+          <p:childTnLst>
+            <p:seq concurrent="1" nextAc="seek">
+              <p:cTn id="2" dur="indefinite" nodeType="mainSeq">
+                <p:childTnLst>
+                  <p:par>
+                    <p:cTn id="3" fill="hold">
+                      <p:stCondLst>
+                        <p:cond delay="indefinite"/>
+                      </p:stCondLst>
+                      <p:childTnLst>
+                        <p:par>
+                          <p:cTn id="4" fill="hold">
+                            <p:stCondLst>
+                              <p:cond delay="0"/>
+                            </p:stCondLst>
+                            <p:childTnLst>
+                              <p:par>
+                                <p:cTn id="5" presetID="1" presetClass="entr" presetSubtype="0" fill="hold" nodeType="clickEffect">
+                                  <p:stCondLst>
+                                    <p:cond delay="0"/>
+                                  </p:stCondLst>
+                                  <p:childTnLst>
+                                    <p:set>
+                                      <p:cBhvr>
+                                        <p:cTn id="6" dur="1" fill="hold">
+                                          <p:stCondLst>
+                                            <p:cond delay="0"/>
+                                          </p:stCondLst>
+                                        </p:cTn>
+                                        <p:tgtEl>
+                                          <p:spTgt spid="3"/>
+                                        </p:tgtEl>
+                                        <p:attrNameLst>
+                                          <p:attrName>style.visibility</p:attrName>
+                                        </p:attrNameLst>
+                                      </p:cBhvr>
+                                      <p:to>
+                                        <p:strVal val="visible"/>
+                                      </p:to>
+                                    </p:set>
+                                  </p:childTnLst>
+                                </p:cTn>
+                              </p:par>
+                            </p:childTnLst>
+                          </p:cTn>
+                        </p:par>
+                      </p:childTnLst>
+                    </p:cTn>
+                  </p:par>
+                </p:childTnLst>
+              </p:cTn>
+              <p:prevCondLst>
+                <p:cond evt="onPrev" delay="0">
+                  <p:tgtEl>
+                    <p:sldTgt/>
+                  </p:tgtEl>
+                </p:cond>
+              </p:prevCondLst>
+              <p:nextCondLst>
+                <p:cond evt="onNext" delay="0">
+                  <p:tgtEl>
+                    <p:sldTgt/>
+                  </p:tgtEl>
+                </p:cond>
+              </p:nextCondLst>
+            </p:seq>
+          </p:childTnLst>
+        </p:cTn>
+      </p:par>
+    </p:tnLst>
+  </p:timing>
 </p:sld>
 </file>
 
@@ -4314,6 +4579,36 @@
           </a:ln>
         </p:spPr>
       </p:pic>
+      <p:pic>
+        <p:nvPicPr>
+          <p:cNvPr id="6" name="Picture 5">
+            <a:extLst>
+              <a:ext uri="{FF2B5EF4-FFF2-40B4-BE49-F238E27FC236}">
+                <a16:creationId xmlns:a16="http://schemas.microsoft.com/office/drawing/2014/main" id="{D659FD26-AF87-75E6-3E53-D68A81ECFBB7}"/>
+              </a:ext>
+            </a:extLst>
+          </p:cNvPr>
+          <p:cNvPicPr>
+            <a:picLocks noChangeAspect="1"/>
+          </p:cNvPicPr>
+          <p:nvPr/>
+        </p:nvPicPr>
+        <p:blipFill>
+          <a:blip r:embed="rId4"/>
+          <a:stretch>
+            <a:fillRect/>
+          </a:stretch>
+        </p:blipFill>
+        <p:spPr>
+          <a:xfrm>
+            <a:off x="8475957" y="1903985"/>
+            <a:ext cx="3100159" cy="3119535"/>
+          </a:xfrm>
+          <a:prstGeom prst="rect">
+            <a:avLst/>
+          </a:prstGeom>
+        </p:spPr>
+      </p:pic>
     </p:spTree>
     <p:extLst>
       <p:ext uri="{BB962C8B-B14F-4D97-AF65-F5344CB8AC3E}">
@@ -4331,6 +4626,516 @@
 </file>
 
 <file path=ppt/slides/slide15.xml><?xml version="1.0" encoding="utf-8"?>
+<p:sld xmlns:a="http://schemas.openxmlformats.org/drawingml/2006/main" xmlns:r="http://schemas.openxmlformats.org/officeDocument/2006/relationships" xmlns:p="http://schemas.openxmlformats.org/presentationml/2006/main">
+  <p:cSld>
+    <p:spTree>
+      <p:nvGrpSpPr>
+        <p:cNvPr id="1" name=""/>
+        <p:cNvGrpSpPr/>
+        <p:nvPr/>
+      </p:nvGrpSpPr>
+      <p:grpSpPr>
+        <a:xfrm>
+          <a:off x="0" y="0"/>
+          <a:ext cx="0" cy="0"/>
+          <a:chOff x="0" y="0"/>
+          <a:chExt cx="0" cy="0"/>
+        </a:xfrm>
+      </p:grpSpPr>
+      <p:sp>
+        <p:nvSpPr>
+          <p:cNvPr id="2" name="Title 1">
+            <a:extLst>
+              <a:ext uri="{FF2B5EF4-FFF2-40B4-BE49-F238E27FC236}">
+                <a16:creationId xmlns:a16="http://schemas.microsoft.com/office/drawing/2014/main" id="{8A514499-2498-1DC3-ED6E-29AB620184C0}"/>
+              </a:ext>
+            </a:extLst>
+          </p:cNvPr>
+          <p:cNvSpPr>
+            <a:spLocks noGrp="1"/>
+          </p:cNvSpPr>
+          <p:nvPr>
+            <p:ph type="title"/>
+          </p:nvPr>
+        </p:nvSpPr>
+        <p:spPr/>
+        <p:txBody>
+          <a:bodyPr/>
+          <a:lstStyle/>
+          <a:p>
+            <a:r>
+              <a:rPr lang="en-US" dirty="0" err="1"/>
+              <a:t>PowerBiQuickCreateDemo</a:t>
+            </a:r>
+            <a:endParaRPr lang="en-US" dirty="0"/>
+          </a:p>
+        </p:txBody>
+      </p:sp>
+      <p:sp>
+        <p:nvSpPr>
+          <p:cNvPr id="10" name="Text Placeholder 9">
+            <a:extLst>
+              <a:ext uri="{FF2B5EF4-FFF2-40B4-BE49-F238E27FC236}">
+                <a16:creationId xmlns:a16="http://schemas.microsoft.com/office/drawing/2014/main" id="{815E4AAE-AAA3-07D8-3DFF-366961D0230B}"/>
+              </a:ext>
+            </a:extLst>
+          </p:cNvPr>
+          <p:cNvSpPr>
+            <a:spLocks noGrp="1"/>
+          </p:cNvSpPr>
+          <p:nvPr>
+            <p:ph type="body" sz="quarter" idx="10"/>
+          </p:nvPr>
+        </p:nvSpPr>
+        <p:spPr/>
+        <p:txBody>
+          <a:bodyPr/>
+          <a:lstStyle/>
+          <a:p>
+            <a:r>
+              <a:rPr lang="en-US" dirty="0" err="1"/>
+              <a:t>PowerBiQuickCreateDemo</a:t>
+            </a:r>
+            <a:endParaRPr lang="en-US" dirty="0"/>
+          </a:p>
+          <a:p>
+            <a:pPr lvl="1"/>
+            <a:r>
+              <a:rPr lang="en-US" dirty="0"/>
+              <a:t>Can be opened and tested in any edition of Visual Studio 2022</a:t>
+            </a:r>
+          </a:p>
+          <a:p>
+            <a:pPr lvl="1"/>
+            <a:r>
+              <a:rPr lang="en-US" dirty="0"/>
+              <a:t>Client SPA created using React, TypeScript and Webpack</a:t>
+            </a:r>
+          </a:p>
+          <a:p>
+            <a:pPr lvl="1"/>
+            <a:r>
+              <a:rPr lang="en-US" dirty="0"/>
+              <a:t>Web API backend created using .NET 6 and ASP.NET Web API support</a:t>
+            </a:r>
+          </a:p>
+          <a:p>
+            <a:pPr lvl="1"/>
+            <a:endParaRPr lang="en-US" dirty="0"/>
+          </a:p>
+        </p:txBody>
+      </p:sp>
+      <p:pic>
+        <p:nvPicPr>
+          <p:cNvPr id="6" name="Picture 5">
+            <a:extLst>
+              <a:ext uri="{FF2B5EF4-FFF2-40B4-BE49-F238E27FC236}">
+                <a16:creationId xmlns:a16="http://schemas.microsoft.com/office/drawing/2014/main" id="{D659FD26-AF87-75E6-3E53-D68A81ECFBB7}"/>
+              </a:ext>
+            </a:extLst>
+          </p:cNvPr>
+          <p:cNvPicPr>
+            <a:picLocks noChangeAspect="1"/>
+          </p:cNvPicPr>
+          <p:nvPr/>
+        </p:nvPicPr>
+        <p:blipFill rotWithShape="1">
+          <a:blip r:embed="rId2"/>
+          <a:srcRect r="37074"/>
+          <a:stretch/>
+        </p:blipFill>
+        <p:spPr>
+          <a:xfrm>
+            <a:off x="2000249" y="2888631"/>
+            <a:ext cx="2080137" cy="3326368"/>
+          </a:xfrm>
+          <a:prstGeom prst="rect">
+            <a:avLst/>
+          </a:prstGeom>
+          <a:ln>
+            <a:solidFill>
+              <a:schemeClr val="tx1"/>
+            </a:solidFill>
+          </a:ln>
+        </p:spPr>
+      </p:pic>
+      <p:grpSp>
+        <p:nvGrpSpPr>
+          <p:cNvPr id="20" name="Group 19">
+            <a:extLst>
+              <a:ext uri="{FF2B5EF4-FFF2-40B4-BE49-F238E27FC236}">
+                <a16:creationId xmlns:a16="http://schemas.microsoft.com/office/drawing/2014/main" id="{1F022290-15A4-CDEF-D2F1-363C77878E87}"/>
+              </a:ext>
+            </a:extLst>
+          </p:cNvPr>
+          <p:cNvGrpSpPr/>
+          <p:nvPr/>
+        </p:nvGrpSpPr>
+        <p:grpSpPr>
+          <a:xfrm>
+            <a:off x="3008671" y="2921994"/>
+            <a:ext cx="4581832" cy="1996354"/>
+            <a:chOff x="3008671" y="2921994"/>
+            <a:chExt cx="4581832" cy="1996354"/>
+          </a:xfrm>
+        </p:grpSpPr>
+        <p:pic>
+          <p:nvPicPr>
+            <p:cNvPr id="9" name="Picture 8">
+              <a:extLst>
+                <a:ext uri="{FF2B5EF4-FFF2-40B4-BE49-F238E27FC236}">
+                  <a16:creationId xmlns:a16="http://schemas.microsoft.com/office/drawing/2014/main" id="{0F8CFBA6-B80E-AD5D-6B76-AEA7F7997FF2}"/>
+                </a:ext>
+              </a:extLst>
+            </p:cNvPr>
+            <p:cNvPicPr>
+              <a:picLocks noChangeAspect="1"/>
+            </p:cNvPicPr>
+            <p:nvPr/>
+          </p:nvPicPr>
+          <p:blipFill>
+            <a:blip r:embed="rId3"/>
+            <a:stretch>
+              <a:fillRect/>
+            </a:stretch>
+          </p:blipFill>
+          <p:spPr>
+            <a:xfrm>
+              <a:off x="5385164" y="2921994"/>
+              <a:ext cx="2205339" cy="1996354"/>
+            </a:xfrm>
+            <a:prstGeom prst="rect">
+              <a:avLst/>
+            </a:prstGeom>
+            <a:ln>
+              <a:solidFill>
+                <a:schemeClr val="tx1"/>
+              </a:solidFill>
+            </a:ln>
+          </p:spPr>
+        </p:pic>
+        <p:cxnSp>
+          <p:nvCxnSpPr>
+            <p:cNvPr id="14" name="Straight Arrow Connector 13">
+              <a:extLst>
+                <a:ext uri="{FF2B5EF4-FFF2-40B4-BE49-F238E27FC236}">
+                  <a16:creationId xmlns:a16="http://schemas.microsoft.com/office/drawing/2014/main" id="{0E4E2CF7-B04E-1895-5CAD-D34FD192F7E2}"/>
+                </a:ext>
+              </a:extLst>
+            </p:cNvPr>
+            <p:cNvCxnSpPr>
+              <a:cxnSpLocks/>
+            </p:cNvCxnSpPr>
+            <p:nvPr/>
+          </p:nvCxnSpPr>
+          <p:spPr>
+            <a:xfrm flipV="1">
+              <a:off x="3008671" y="3736258"/>
+              <a:ext cx="2202426" cy="816077"/>
+            </a:xfrm>
+            <a:prstGeom prst="straightConnector1">
+              <a:avLst/>
+            </a:prstGeom>
+            <a:ln w="38100">
+              <a:solidFill>
+                <a:srgbClr val="920000"/>
+              </a:solidFill>
+              <a:headEnd type="none"/>
+              <a:tailEnd type="triangle"/>
+            </a:ln>
+          </p:spPr>
+          <p:style>
+            <a:lnRef idx="1">
+              <a:schemeClr val="accent1"/>
+            </a:lnRef>
+            <a:fillRef idx="0">
+              <a:schemeClr val="accent1"/>
+            </a:fillRef>
+            <a:effectRef idx="0">
+              <a:schemeClr val="accent1"/>
+            </a:effectRef>
+            <a:fontRef idx="minor">
+              <a:schemeClr val="tx1"/>
+            </a:fontRef>
+          </p:style>
+        </p:cxnSp>
+      </p:grpSp>
+      <p:grpSp>
+        <p:nvGrpSpPr>
+          <p:cNvPr id="21" name="Group 20">
+            <a:extLst>
+              <a:ext uri="{FF2B5EF4-FFF2-40B4-BE49-F238E27FC236}">
+                <a16:creationId xmlns:a16="http://schemas.microsoft.com/office/drawing/2014/main" id="{AA0C8F5C-07E7-91BE-3C90-386CE6325F5A}"/>
+              </a:ext>
+            </a:extLst>
+          </p:cNvPr>
+          <p:cNvGrpSpPr/>
+          <p:nvPr/>
+        </p:nvGrpSpPr>
+        <p:grpSpPr>
+          <a:xfrm>
+            <a:off x="3102078" y="4901381"/>
+            <a:ext cx="4409766" cy="1645935"/>
+            <a:chOff x="3102078" y="4901381"/>
+            <a:chExt cx="4409766" cy="1645935"/>
+          </a:xfrm>
+        </p:grpSpPr>
+        <p:pic>
+          <p:nvPicPr>
+            <p:cNvPr id="12" name="Picture 11">
+              <a:extLst>
+                <a:ext uri="{FF2B5EF4-FFF2-40B4-BE49-F238E27FC236}">
+                  <a16:creationId xmlns:a16="http://schemas.microsoft.com/office/drawing/2014/main" id="{D312A633-6041-73D7-7F77-C8913FCAC12A}"/>
+                </a:ext>
+              </a:extLst>
+            </p:cNvPr>
+            <p:cNvPicPr>
+              <a:picLocks noChangeAspect="1"/>
+            </p:cNvPicPr>
+            <p:nvPr/>
+          </p:nvPicPr>
+          <p:blipFill rotWithShape="1">
+            <a:blip r:embed="rId4"/>
+            <a:srcRect r="7547"/>
+            <a:stretch/>
+          </p:blipFill>
+          <p:spPr>
+            <a:xfrm>
+              <a:off x="5406416" y="5058115"/>
+              <a:ext cx="2105428" cy="1489201"/>
+            </a:xfrm>
+            <a:prstGeom prst="rect">
+              <a:avLst/>
+            </a:prstGeom>
+            <a:ln>
+              <a:solidFill>
+                <a:schemeClr val="tx1"/>
+              </a:solidFill>
+            </a:ln>
+          </p:spPr>
+        </p:pic>
+        <p:cxnSp>
+          <p:nvCxnSpPr>
+            <p:cNvPr id="16" name="Straight Arrow Connector 15">
+              <a:extLst>
+                <a:ext uri="{FF2B5EF4-FFF2-40B4-BE49-F238E27FC236}">
+                  <a16:creationId xmlns:a16="http://schemas.microsoft.com/office/drawing/2014/main" id="{2A4FE0EB-EEB4-5BD1-4E88-A11ECB98D289}"/>
+                </a:ext>
+              </a:extLst>
+            </p:cNvPr>
+            <p:cNvCxnSpPr>
+              <a:cxnSpLocks/>
+            </p:cNvCxnSpPr>
+            <p:nvPr/>
+          </p:nvCxnSpPr>
+          <p:spPr>
+            <a:xfrm>
+              <a:off x="3102078" y="4901381"/>
+              <a:ext cx="2207341" cy="653845"/>
+            </a:xfrm>
+            <a:prstGeom prst="straightConnector1">
+              <a:avLst/>
+            </a:prstGeom>
+            <a:ln w="38100">
+              <a:solidFill>
+                <a:srgbClr val="920000"/>
+              </a:solidFill>
+              <a:headEnd type="none"/>
+              <a:tailEnd type="triangle"/>
+            </a:ln>
+          </p:spPr>
+          <p:style>
+            <a:lnRef idx="1">
+              <a:schemeClr val="accent1"/>
+            </a:lnRef>
+            <a:fillRef idx="0">
+              <a:schemeClr val="accent1"/>
+            </a:fillRef>
+            <a:effectRef idx="0">
+              <a:schemeClr val="accent1"/>
+            </a:effectRef>
+            <a:fontRef idx="minor">
+              <a:schemeClr val="tx1"/>
+            </a:fontRef>
+          </p:style>
+        </p:cxnSp>
+      </p:grpSp>
+    </p:spTree>
+    <p:extLst>
+      <p:ext uri="{BB962C8B-B14F-4D97-AF65-F5344CB8AC3E}">
+        <p14:creationId xmlns:p14="http://schemas.microsoft.com/office/powerpoint/2010/main" val="3080961979"/>
+      </p:ext>
+    </p:extLst>
+  </p:cSld>
+  <p:clrMapOvr>
+    <a:masterClrMapping/>
+  </p:clrMapOvr>
+  <p:transition>
+    <p:fade/>
+  </p:transition>
+</p:sld>
+</file>
+
+<file path=ppt/slides/slide16.xml><?xml version="1.0" encoding="utf-8"?>
+<p:sld xmlns:a="http://schemas.openxmlformats.org/drawingml/2006/main" xmlns:r="http://schemas.openxmlformats.org/officeDocument/2006/relationships" xmlns:p="http://schemas.openxmlformats.org/presentationml/2006/main">
+  <p:cSld>
+    <p:spTree>
+      <p:nvGrpSpPr>
+        <p:cNvPr id="1" name=""/>
+        <p:cNvGrpSpPr/>
+        <p:nvPr/>
+      </p:nvGrpSpPr>
+      <p:grpSpPr>
+        <a:xfrm>
+          <a:off x="0" y="0"/>
+          <a:ext cx="0" cy="0"/>
+          <a:chOff x="0" y="0"/>
+          <a:chExt cx="0" cy="0"/>
+        </a:xfrm>
+      </p:grpSpPr>
+      <p:sp>
+        <p:nvSpPr>
+          <p:cNvPr id="2" name="Title 1">
+            <a:extLst>
+              <a:ext uri="{FF2B5EF4-FFF2-40B4-BE49-F238E27FC236}">
+                <a16:creationId xmlns:a16="http://schemas.microsoft.com/office/drawing/2014/main" id="{F73477CB-F98E-3855-E935-95C623053428}"/>
+              </a:ext>
+            </a:extLst>
+          </p:cNvPr>
+          <p:cNvSpPr>
+            <a:spLocks noGrp="1"/>
+          </p:cNvSpPr>
+          <p:nvPr>
+            <p:ph type="title"/>
+          </p:nvPr>
+        </p:nvSpPr>
+        <p:spPr/>
+        <p:txBody>
+          <a:bodyPr/>
+          <a:lstStyle/>
+          <a:p>
+            <a:r>
+              <a:rPr lang="en-US" dirty="0"/>
+              <a:t>Need To Learn About React and SPA Authentication?</a:t>
+            </a:r>
+          </a:p>
+        </p:txBody>
+      </p:sp>
+      <p:sp>
+        <p:nvSpPr>
+          <p:cNvPr id="3" name="Text Placeholder 2">
+            <a:extLst>
+              <a:ext uri="{FF2B5EF4-FFF2-40B4-BE49-F238E27FC236}">
+                <a16:creationId xmlns:a16="http://schemas.microsoft.com/office/drawing/2014/main" id="{487EC1AA-3421-E08D-84F8-A4DC15B7F50C}"/>
+              </a:ext>
+            </a:extLst>
+          </p:cNvPr>
+          <p:cNvSpPr>
+            <a:spLocks noGrp="1"/>
+          </p:cNvSpPr>
+          <p:nvPr>
+            <p:ph type="body" sz="quarter" idx="10"/>
+          </p:nvPr>
+        </p:nvSpPr>
+        <p:spPr>
+          <a:xfrm>
+            <a:off x="511277" y="1227439"/>
+            <a:ext cx="11604521" cy="854080"/>
+          </a:xfrm>
+        </p:spPr>
+        <p:txBody>
+          <a:bodyPr/>
+          <a:lstStyle/>
+          <a:p>
+            <a:r>
+              <a:rPr lang="en-US" sz="2400" dirty="0"/>
+              <a:t>Dev Camp Portal Page: </a:t>
+            </a:r>
+            <a:r>
+              <a:rPr lang="en-US" sz="2400" dirty="0">
+                <a:hlinkClick r:id="rId2"/>
+              </a:rPr>
+              <a:t>https://www.powerbidevcamp.net/sessions/session25</a:t>
+            </a:r>
+            <a:r>
+              <a:rPr lang="en-US" sz="2400" dirty="0"/>
+              <a:t> </a:t>
+            </a:r>
+          </a:p>
+          <a:p>
+            <a:r>
+              <a:rPr lang="en-US" sz="2400" dirty="0" err="1"/>
+              <a:t>Youtube</a:t>
+            </a:r>
+            <a:r>
+              <a:rPr lang="en-US" sz="2400" dirty="0"/>
+              <a:t> Video: </a:t>
+            </a:r>
+            <a:r>
+              <a:rPr lang="en-US" sz="2400" dirty="0">
+                <a:hlinkClick r:id="rId3"/>
+              </a:rPr>
+              <a:t>https://youtu.be/3xpi7youCNI</a:t>
+            </a:r>
+            <a:r>
+              <a:rPr lang="en-US" sz="2400" dirty="0"/>
+              <a:t> </a:t>
+            </a:r>
+          </a:p>
+        </p:txBody>
+      </p:sp>
+      <p:pic>
+        <p:nvPicPr>
+          <p:cNvPr id="5" name="Picture 4">
+            <a:extLst>
+              <a:ext uri="{FF2B5EF4-FFF2-40B4-BE49-F238E27FC236}">
+                <a16:creationId xmlns:a16="http://schemas.microsoft.com/office/drawing/2014/main" id="{2CF03434-8FA9-2FA5-415E-E3BAFD054395}"/>
+              </a:ext>
+            </a:extLst>
+          </p:cNvPr>
+          <p:cNvPicPr>
+            <a:picLocks noChangeAspect="1"/>
+          </p:cNvPicPr>
+          <p:nvPr/>
+        </p:nvPicPr>
+        <p:blipFill>
+          <a:blip r:embed="rId4"/>
+          <a:stretch>
+            <a:fillRect/>
+          </a:stretch>
+        </p:blipFill>
+        <p:spPr>
+          <a:xfrm>
+            <a:off x="786581" y="2327868"/>
+            <a:ext cx="9560554" cy="4358067"/>
+          </a:xfrm>
+          <a:prstGeom prst="rect">
+            <a:avLst/>
+          </a:prstGeom>
+          <a:ln>
+            <a:solidFill>
+              <a:schemeClr val="tx1"/>
+            </a:solidFill>
+          </a:ln>
+        </p:spPr>
+      </p:pic>
+    </p:spTree>
+    <p:extLst>
+      <p:ext uri="{BB962C8B-B14F-4D97-AF65-F5344CB8AC3E}">
+        <p14:creationId xmlns:p14="http://schemas.microsoft.com/office/powerpoint/2010/main" val="809161305"/>
+      </p:ext>
+    </p:extLst>
+  </p:cSld>
+  <p:clrMapOvr>
+    <a:masterClrMapping/>
+  </p:clrMapOvr>
+  <p:transition>
+    <p:fade/>
+  </p:transition>
+</p:sld>
+</file>
+
+<file path=ppt/slides/slide17.xml><?xml version="1.0" encoding="utf-8"?>
 <p:sld xmlns:a="http://schemas.openxmlformats.org/drawingml/2006/main" xmlns:r="http://schemas.openxmlformats.org/officeDocument/2006/relationships" xmlns:p="http://schemas.openxmlformats.org/presentationml/2006/main">
   <p:cSld>
     <p:spTree>
@@ -4368,7 +5173,10 @@
           <a:bodyPr/>
           <a:lstStyle/>
           <a:p>
-            <a:endParaRPr lang="en-US" dirty="0"/>
+            <a:r>
+              <a:rPr lang="en-US" dirty="0"/>
+              <a:t>Demo Time</a:t>
+            </a:r>
           </a:p>
         </p:txBody>
       </p:sp>
@@ -4425,7 +5233,7 @@
 </p:sld>
 </file>
 
-<file path=ppt/slides/slide16.xml><?xml version="1.0" encoding="utf-8"?>
+<file path=ppt/slides/slide18.xml><?xml version="1.0" encoding="utf-8"?>
 <p:sld xmlns:a="http://schemas.openxmlformats.org/drawingml/2006/main" xmlns:r="http://schemas.openxmlformats.org/officeDocument/2006/relationships" xmlns:p="http://schemas.openxmlformats.org/presentationml/2006/main">
   <p:cSld>
     <p:spTree>
@@ -4556,7 +5364,7 @@
 </p:sld>
 </file>
 
-<file path=ppt/slides/slide17.xml><?xml version="1.0" encoding="utf-8"?>
+<file path=ppt/slides/slide19.xml><?xml version="1.0" encoding="utf-8"?>
 <p:sld xmlns:a="http://schemas.openxmlformats.org/drawingml/2006/main" xmlns:r="http://schemas.openxmlformats.org/officeDocument/2006/relationships" xmlns:p="http://schemas.openxmlformats.org/presentationml/2006/main">
   <p:cSld>
     <p:spTree>
@@ -4698,225 +5506,6 @@
   <p:transition>
     <p:fade/>
   </p:transition>
-</p:sld>
-</file>
-
-<file path=ppt/slides/slide18.xml><?xml version="1.0" encoding="utf-8"?>
-<p:sld xmlns:a="http://schemas.openxmlformats.org/drawingml/2006/main" xmlns:r="http://schemas.openxmlformats.org/officeDocument/2006/relationships" xmlns:p="http://schemas.openxmlformats.org/presentationml/2006/main">
-  <p:cSld>
-    <p:bg>
-      <p:bgPr>
-        <a:solidFill>
-          <a:schemeClr val="accent1"/>
-        </a:solidFill>
-        <a:effectLst/>
-      </p:bgPr>
-    </p:bg>
-    <p:spTree>
-      <p:nvGrpSpPr>
-        <p:cNvPr id="1" name=""/>
-        <p:cNvGrpSpPr/>
-        <p:nvPr/>
-      </p:nvGrpSpPr>
-      <p:grpSpPr>
-        <a:xfrm>
-          <a:off x="0" y="0"/>
-          <a:ext cx="0" cy="0"/>
-          <a:chOff x="0" y="0"/>
-          <a:chExt cx="0" cy="0"/>
-        </a:xfrm>
-      </p:grpSpPr>
-      <p:sp>
-        <p:nvSpPr>
-          <p:cNvPr id="13" name="Title 6"/>
-          <p:cNvSpPr>
-            <a:spLocks noGrp="1"/>
-          </p:cNvSpPr>
-          <p:nvPr>
-            <p:ph type="title"/>
-          </p:nvPr>
-        </p:nvSpPr>
-        <p:spPr>
-          <a:xfrm>
-            <a:off x="539110" y="2947346"/>
-            <a:ext cx="11358253" cy="1099832"/>
-          </a:xfrm>
-        </p:spPr>
-        <p:txBody>
-          <a:bodyPr/>
-          <a:lstStyle/>
-          <a:p>
-            <a:pPr algn="ctr"/>
-            <a:r>
-              <a:rPr lang="en-US" dirty="0">
-                <a:solidFill>
-                  <a:srgbClr val="000000"/>
-                </a:solidFill>
-              </a:rPr>
-              <a:t>Microsoft Power BI</a:t>
-            </a:r>
-          </a:p>
-        </p:txBody>
-      </p:sp>
-      <p:sp>
-        <p:nvSpPr>
-          <p:cNvPr id="3" name="Rectangle 2">
-            <a:extLst>
-              <a:ext uri="{FF2B5EF4-FFF2-40B4-BE49-F238E27FC236}">
-                <a16:creationId xmlns:a16="http://schemas.microsoft.com/office/drawing/2014/main" id="{7B28934F-40B7-490C-B8F2-500FD2E2CE25}"/>
-              </a:ext>
-            </a:extLst>
-          </p:cNvPr>
-          <p:cNvSpPr/>
-          <p:nvPr/>
-        </p:nvSpPr>
-        <p:spPr bwMode="auto">
-          <a:xfrm>
-            <a:off x="169682" y="6268825"/>
-            <a:ext cx="2215299" cy="650449"/>
-          </a:xfrm>
-          <a:prstGeom prst="rect">
-            <a:avLst/>
-          </a:prstGeom>
-          <a:solidFill>
-            <a:srgbClr val="F2C80F"/>
-          </a:solidFill>
-          <a:ln>
-            <a:noFill/>
-            <a:headEnd type="none" w="med" len="med"/>
-            <a:tailEnd type="none" w="med" len="med"/>
-          </a:ln>
-          <a:effectLst/>
-        </p:spPr>
-        <p:style>
-          <a:lnRef idx="1">
-            <a:schemeClr val="accent2"/>
-          </a:lnRef>
-          <a:fillRef idx="3">
-            <a:schemeClr val="accent2"/>
-          </a:fillRef>
-          <a:effectRef idx="2">
-            <a:schemeClr val="accent2"/>
-          </a:effectRef>
-          <a:fontRef idx="minor">
-            <a:schemeClr val="lt1"/>
-          </a:fontRef>
-        </p:style>
-        <p:txBody>
-          <a:bodyPr rot="0" spcFirstLastPara="0" vertOverflow="overflow" horzOverflow="overflow" vert="horz" wrap="square" lIns="182880" tIns="146304" rIns="182880" bIns="146304" numCol="1" spcCol="0" rtlCol="0" fromWordArt="0" anchor="t" anchorCtr="0" forceAA="0" compatLnSpc="1">
-            <a:prstTxWarp prst="textNoShape">
-              <a:avLst/>
-            </a:prstTxWarp>
-            <a:noAutofit/>
-          </a:bodyPr>
-          <a:lstStyle/>
-          <a:p>
-            <a:pPr algn="ctr" defTabSz="932472" fontAlgn="base">
-              <a:lnSpc>
-                <a:spcPct val="90000"/>
-              </a:lnSpc>
-              <a:spcBef>
-                <a:spcPct val="0"/>
-              </a:spcBef>
-              <a:spcAft>
-                <a:spcPct val="0"/>
-              </a:spcAft>
-            </a:pPr>
-            <a:endParaRPr lang="en-US" sz="2400" err="1">
-              <a:gradFill>
-                <a:gsLst>
-                  <a:gs pos="0">
-                    <a:srgbClr val="FFFFFF"/>
-                  </a:gs>
-                  <a:gs pos="100000">
-                    <a:srgbClr val="FFFFFF"/>
-                  </a:gs>
-                </a:gsLst>
-                <a:lin ang="5400000" scaled="0"/>
-              </a:gradFill>
-              <a:ea typeface="Segoe UI" pitchFamily="34" charset="0"/>
-              <a:cs typeface="Segoe UI" pitchFamily="34" charset="0"/>
-            </a:endParaRPr>
-          </a:p>
-        </p:txBody>
-      </p:sp>
-      <p:sp>
-        <p:nvSpPr>
-          <p:cNvPr id="2" name="TextBox 1">
-            <a:extLst>
-              <a:ext uri="{FF2B5EF4-FFF2-40B4-BE49-F238E27FC236}">
-                <a16:creationId xmlns:a16="http://schemas.microsoft.com/office/drawing/2014/main" id="{CE3A2DB9-0465-4D60-93C6-AF065EEF2E0D}"/>
-              </a:ext>
-            </a:extLst>
-          </p:cNvPr>
-          <p:cNvSpPr txBox="1"/>
-          <p:nvPr/>
-        </p:nvSpPr>
-        <p:spPr>
-          <a:xfrm>
-            <a:off x="727580" y="739966"/>
-            <a:ext cx="10437615" cy="1514261"/>
-          </a:xfrm>
-          <a:prstGeom prst="rect">
-            <a:avLst/>
-          </a:prstGeom>
-          <a:noFill/>
-        </p:spPr>
-        <p:txBody>
-          <a:bodyPr wrap="square" lIns="182880" tIns="146304" rIns="182880" bIns="146304" rtlCol="0">
-            <a:spAutoFit/>
-          </a:bodyPr>
-          <a:lstStyle/>
-          <a:p>
-            <a:pPr algn="ctr">
-              <a:lnSpc>
-                <a:spcPct val="90000"/>
-              </a:lnSpc>
-              <a:spcAft>
-                <a:spcPts val="600"/>
-              </a:spcAft>
-            </a:pPr>
-            <a:r>
-              <a:rPr lang="en-US" sz="8800" dirty="0">
-                <a:gradFill>
-                  <a:gsLst>
-                    <a:gs pos="2917">
-                      <a:schemeClr val="tx1"/>
-                    </a:gs>
-                    <a:gs pos="30000">
-                      <a:schemeClr val="tx1"/>
-                    </a:gs>
-                  </a:gsLst>
-                  <a:lin ang="5400000" scaled="0"/>
-                </a:gradFill>
-              </a:rPr>
-              <a:t>Questions?</a:t>
-            </a:r>
-          </a:p>
-        </p:txBody>
-      </p:sp>
-    </p:spTree>
-    <p:extLst>
-      <p:ext uri="{BB962C8B-B14F-4D97-AF65-F5344CB8AC3E}">
-        <p14:creationId xmlns:p14="http://schemas.microsoft.com/office/powerpoint/2010/main" val="447324192"/>
-      </p:ext>
-    </p:extLst>
-  </p:cSld>
-  <p:clrMapOvr>
-    <a:masterClrMapping/>
-  </p:clrMapOvr>
-  <mc:AlternateContent xmlns:mc="http://schemas.openxmlformats.org/markup-compatibility/2006" xmlns:p14="http://schemas.microsoft.com/office/powerpoint/2010/main">
-    <mc:Choice Requires="p14">
-      <p:transition spd="med" p14:dur="700">
-        <p:fade/>
-      </p:transition>
-    </mc:Choice>
-    <mc:Fallback xmlns="">
-      <p:transition spd="med">
-        <p:fade/>
-      </p:transition>
-    </mc:Fallback>
-  </mc:AlternateContent>
 </p:sld>
 </file>
 
@@ -5498,6 +6087,225 @@
 </p:sld>
 </file>
 
+<file path=ppt/slides/slide20.xml><?xml version="1.0" encoding="utf-8"?>
+<p:sld xmlns:a="http://schemas.openxmlformats.org/drawingml/2006/main" xmlns:r="http://schemas.openxmlformats.org/officeDocument/2006/relationships" xmlns:p="http://schemas.openxmlformats.org/presentationml/2006/main">
+  <p:cSld>
+    <p:bg>
+      <p:bgPr>
+        <a:solidFill>
+          <a:schemeClr val="accent1"/>
+        </a:solidFill>
+        <a:effectLst/>
+      </p:bgPr>
+    </p:bg>
+    <p:spTree>
+      <p:nvGrpSpPr>
+        <p:cNvPr id="1" name=""/>
+        <p:cNvGrpSpPr/>
+        <p:nvPr/>
+      </p:nvGrpSpPr>
+      <p:grpSpPr>
+        <a:xfrm>
+          <a:off x="0" y="0"/>
+          <a:ext cx="0" cy="0"/>
+          <a:chOff x="0" y="0"/>
+          <a:chExt cx="0" cy="0"/>
+        </a:xfrm>
+      </p:grpSpPr>
+      <p:sp>
+        <p:nvSpPr>
+          <p:cNvPr id="13" name="Title 6"/>
+          <p:cNvSpPr>
+            <a:spLocks noGrp="1"/>
+          </p:cNvSpPr>
+          <p:nvPr>
+            <p:ph type="title"/>
+          </p:nvPr>
+        </p:nvSpPr>
+        <p:spPr>
+          <a:xfrm>
+            <a:off x="539110" y="2947346"/>
+            <a:ext cx="11358253" cy="1099832"/>
+          </a:xfrm>
+        </p:spPr>
+        <p:txBody>
+          <a:bodyPr/>
+          <a:lstStyle/>
+          <a:p>
+            <a:pPr algn="ctr"/>
+            <a:r>
+              <a:rPr lang="en-US" dirty="0">
+                <a:solidFill>
+                  <a:srgbClr val="000000"/>
+                </a:solidFill>
+              </a:rPr>
+              <a:t>Microsoft Power BI</a:t>
+            </a:r>
+          </a:p>
+        </p:txBody>
+      </p:sp>
+      <p:sp>
+        <p:nvSpPr>
+          <p:cNvPr id="3" name="Rectangle 2">
+            <a:extLst>
+              <a:ext uri="{FF2B5EF4-FFF2-40B4-BE49-F238E27FC236}">
+                <a16:creationId xmlns:a16="http://schemas.microsoft.com/office/drawing/2014/main" id="{7B28934F-40B7-490C-B8F2-500FD2E2CE25}"/>
+              </a:ext>
+            </a:extLst>
+          </p:cNvPr>
+          <p:cNvSpPr/>
+          <p:nvPr/>
+        </p:nvSpPr>
+        <p:spPr bwMode="auto">
+          <a:xfrm>
+            <a:off x="169682" y="6268825"/>
+            <a:ext cx="2215299" cy="650449"/>
+          </a:xfrm>
+          <a:prstGeom prst="rect">
+            <a:avLst/>
+          </a:prstGeom>
+          <a:solidFill>
+            <a:srgbClr val="F2C80F"/>
+          </a:solidFill>
+          <a:ln>
+            <a:noFill/>
+            <a:headEnd type="none" w="med" len="med"/>
+            <a:tailEnd type="none" w="med" len="med"/>
+          </a:ln>
+          <a:effectLst/>
+        </p:spPr>
+        <p:style>
+          <a:lnRef idx="1">
+            <a:schemeClr val="accent2"/>
+          </a:lnRef>
+          <a:fillRef idx="3">
+            <a:schemeClr val="accent2"/>
+          </a:fillRef>
+          <a:effectRef idx="2">
+            <a:schemeClr val="accent2"/>
+          </a:effectRef>
+          <a:fontRef idx="minor">
+            <a:schemeClr val="lt1"/>
+          </a:fontRef>
+        </p:style>
+        <p:txBody>
+          <a:bodyPr rot="0" spcFirstLastPara="0" vertOverflow="overflow" horzOverflow="overflow" vert="horz" wrap="square" lIns="182880" tIns="146304" rIns="182880" bIns="146304" numCol="1" spcCol="0" rtlCol="0" fromWordArt="0" anchor="t" anchorCtr="0" forceAA="0" compatLnSpc="1">
+            <a:prstTxWarp prst="textNoShape">
+              <a:avLst/>
+            </a:prstTxWarp>
+            <a:noAutofit/>
+          </a:bodyPr>
+          <a:lstStyle/>
+          <a:p>
+            <a:pPr algn="ctr" defTabSz="932472" fontAlgn="base">
+              <a:lnSpc>
+                <a:spcPct val="90000"/>
+              </a:lnSpc>
+              <a:spcBef>
+                <a:spcPct val="0"/>
+              </a:spcBef>
+              <a:spcAft>
+                <a:spcPct val="0"/>
+              </a:spcAft>
+            </a:pPr>
+            <a:endParaRPr lang="en-US" sz="2400" err="1">
+              <a:gradFill>
+                <a:gsLst>
+                  <a:gs pos="0">
+                    <a:srgbClr val="FFFFFF"/>
+                  </a:gs>
+                  <a:gs pos="100000">
+                    <a:srgbClr val="FFFFFF"/>
+                  </a:gs>
+                </a:gsLst>
+                <a:lin ang="5400000" scaled="0"/>
+              </a:gradFill>
+              <a:ea typeface="Segoe UI" pitchFamily="34" charset="0"/>
+              <a:cs typeface="Segoe UI" pitchFamily="34" charset="0"/>
+            </a:endParaRPr>
+          </a:p>
+        </p:txBody>
+      </p:sp>
+      <p:sp>
+        <p:nvSpPr>
+          <p:cNvPr id="2" name="TextBox 1">
+            <a:extLst>
+              <a:ext uri="{FF2B5EF4-FFF2-40B4-BE49-F238E27FC236}">
+                <a16:creationId xmlns:a16="http://schemas.microsoft.com/office/drawing/2014/main" id="{CE3A2DB9-0465-4D60-93C6-AF065EEF2E0D}"/>
+              </a:ext>
+            </a:extLst>
+          </p:cNvPr>
+          <p:cNvSpPr txBox="1"/>
+          <p:nvPr/>
+        </p:nvSpPr>
+        <p:spPr>
+          <a:xfrm>
+            <a:off x="727580" y="739966"/>
+            <a:ext cx="10437615" cy="1514261"/>
+          </a:xfrm>
+          <a:prstGeom prst="rect">
+            <a:avLst/>
+          </a:prstGeom>
+          <a:noFill/>
+        </p:spPr>
+        <p:txBody>
+          <a:bodyPr wrap="square" lIns="182880" tIns="146304" rIns="182880" bIns="146304" rtlCol="0">
+            <a:spAutoFit/>
+          </a:bodyPr>
+          <a:lstStyle/>
+          <a:p>
+            <a:pPr algn="ctr">
+              <a:lnSpc>
+                <a:spcPct val="90000"/>
+              </a:lnSpc>
+              <a:spcAft>
+                <a:spcPts val="600"/>
+              </a:spcAft>
+            </a:pPr>
+            <a:r>
+              <a:rPr lang="en-US" sz="8800" dirty="0">
+                <a:gradFill>
+                  <a:gsLst>
+                    <a:gs pos="2917">
+                      <a:schemeClr val="tx1"/>
+                    </a:gs>
+                    <a:gs pos="30000">
+                      <a:schemeClr val="tx1"/>
+                    </a:gs>
+                  </a:gsLst>
+                  <a:lin ang="5400000" scaled="0"/>
+                </a:gradFill>
+              </a:rPr>
+              <a:t>Questions?</a:t>
+            </a:r>
+          </a:p>
+        </p:txBody>
+      </p:sp>
+    </p:spTree>
+    <p:extLst>
+      <p:ext uri="{BB962C8B-B14F-4D97-AF65-F5344CB8AC3E}">
+        <p14:creationId xmlns:p14="http://schemas.microsoft.com/office/powerpoint/2010/main" val="447324192"/>
+      </p:ext>
+    </p:extLst>
+  </p:cSld>
+  <p:clrMapOvr>
+    <a:masterClrMapping/>
+  </p:clrMapOvr>
+  <mc:AlternateContent xmlns:mc="http://schemas.openxmlformats.org/markup-compatibility/2006" xmlns:p14="http://schemas.microsoft.com/office/powerpoint/2010/main">
+    <mc:Choice Requires="p14">
+      <p:transition spd="med" p14:dur="700">
+        <p:fade/>
+      </p:transition>
+    </mc:Choice>
+    <mc:Fallback xmlns="">
+      <p:transition spd="med">
+        <p:fade/>
+      </p:transition>
+    </mc:Fallback>
+  </mc:AlternateContent>
+</p:sld>
+</file>
+
 <file path=ppt/slides/slide3.xml><?xml version="1.0" encoding="utf-8"?>
 <p:sld xmlns:a="http://schemas.openxmlformats.org/drawingml/2006/main" xmlns:r="http://schemas.openxmlformats.org/officeDocument/2006/relationships" xmlns:p="http://schemas.openxmlformats.org/presentationml/2006/main">
   <p:cSld>
@@ -6016,7 +6824,10 @@
           <a:bodyPr/>
           <a:lstStyle/>
           <a:p>
-            <a:endParaRPr lang="en-US" dirty="0"/>
+            <a:r>
+              <a:rPr lang="en-US" dirty="0"/>
+              <a:t>Demo Time</a:t>
+            </a:r>
           </a:p>
         </p:txBody>
       </p:sp>
@@ -6283,8 +7094,21 @@
           <a:p>
             <a:r>
               <a:rPr lang="en-US" dirty="0"/>
-              <a:t>QuickCreate SDK is new addition to Power BI JavaScript API</a:t>
-            </a:r>
+              <a:t>QuickCreate SDK is new addition to </a:t>
+            </a:r>
+            <a:r>
+              <a:rPr lang="en-US" sz="2400" b="1" dirty="0">
+                <a:solidFill>
+                  <a:srgbClr val="920000"/>
+                </a:solidFill>
+              </a:rPr>
+              <a:t>Power BI JavaScript API</a:t>
+            </a:r>
+            <a:endParaRPr lang="en-US" b="1" dirty="0">
+              <a:solidFill>
+                <a:srgbClr val="920000"/>
+              </a:solidFill>
+            </a:endParaRPr>
           </a:p>
           <a:p>
             <a:pPr lvl="1"/>
@@ -6307,8 +7131,21 @@
           <a:p>
             <a:r>
               <a:rPr lang="en-US" dirty="0"/>
-              <a:t>QuickCreate SDK supports User-Owns-Data embedding</a:t>
-            </a:r>
+              <a:t>QuickCreate SDK supports </a:t>
+            </a:r>
+            <a:r>
+              <a:rPr lang="en-US" sz="2400" b="1" dirty="0">
+                <a:solidFill>
+                  <a:srgbClr val="920000"/>
+                </a:solidFill>
+              </a:rPr>
+              <a:t>User-Owns-Data embedding</a:t>
+            </a:r>
+            <a:endParaRPr lang="en-US" b="1" dirty="0">
+              <a:solidFill>
+                <a:srgbClr val="920000"/>
+              </a:solidFill>
+            </a:endParaRPr>
           </a:p>
           <a:p>
             <a:pPr lvl="1"/>
@@ -6339,6 +7176,147 @@
   <p:transition>
     <p:fade/>
   </p:transition>
+  <p:timing>
+    <p:tnLst>
+      <p:par>
+        <p:cTn id="1" dur="indefinite" restart="never" nodeType="tmRoot">
+          <p:childTnLst>
+            <p:seq concurrent="1" nextAc="seek">
+              <p:cTn id="2" dur="indefinite" nodeType="mainSeq">
+                <p:childTnLst>
+                  <p:par>
+                    <p:cTn id="3" fill="hold">
+                      <p:stCondLst>
+                        <p:cond delay="indefinite"/>
+                      </p:stCondLst>
+                      <p:childTnLst>
+                        <p:par>
+                          <p:cTn id="4" fill="hold">
+                            <p:stCondLst>
+                              <p:cond delay="0"/>
+                            </p:stCondLst>
+                            <p:childTnLst>
+                              <p:par>
+                                <p:cTn id="5" presetID="1" presetClass="entr" presetSubtype="0" fill="hold" nodeType="clickEffect">
+                                  <p:stCondLst>
+                                    <p:cond delay="0"/>
+                                  </p:stCondLst>
+                                  <p:childTnLst>
+                                    <p:set>
+                                      <p:cBhvr>
+                                        <p:cTn id="6" dur="1" fill="hold">
+                                          <p:stCondLst>
+                                            <p:cond delay="0"/>
+                                          </p:stCondLst>
+                                        </p:cTn>
+                                        <p:tgtEl>
+                                          <p:spTgt spid="3">
+                                            <p:txEl>
+                                              <p:pRg st="4" end="4"/>
+                                            </p:txEl>
+                                          </p:spTgt>
+                                        </p:tgtEl>
+                                        <p:attrNameLst>
+                                          <p:attrName>style.visibility</p:attrName>
+                                        </p:attrNameLst>
+                                      </p:cBhvr>
+                                      <p:to>
+                                        <p:strVal val="visible"/>
+                                      </p:to>
+                                    </p:set>
+                                  </p:childTnLst>
+                                </p:cTn>
+                              </p:par>
+                              <p:par>
+                                <p:cTn id="7" presetID="1" presetClass="entr" presetSubtype="0" fill="hold" nodeType="withEffect">
+                                  <p:stCondLst>
+                                    <p:cond delay="0"/>
+                                  </p:stCondLst>
+                                  <p:childTnLst>
+                                    <p:set>
+                                      <p:cBhvr>
+                                        <p:cTn id="8" dur="1" fill="hold">
+                                          <p:stCondLst>
+                                            <p:cond delay="0"/>
+                                          </p:stCondLst>
+                                        </p:cTn>
+                                        <p:tgtEl>
+                                          <p:spTgt spid="3">
+                                            <p:txEl>
+                                              <p:pRg st="5" end="5"/>
+                                            </p:txEl>
+                                          </p:spTgt>
+                                        </p:tgtEl>
+                                        <p:attrNameLst>
+                                          <p:attrName>style.visibility</p:attrName>
+                                        </p:attrNameLst>
+                                      </p:cBhvr>
+                                      <p:to>
+                                        <p:strVal val="visible"/>
+                                      </p:to>
+                                    </p:set>
+                                  </p:childTnLst>
+                                </p:cTn>
+                              </p:par>
+                              <p:par>
+                                <p:cTn id="9" presetID="1" presetClass="entr" presetSubtype="0" fill="hold" nodeType="withEffect">
+                                  <p:stCondLst>
+                                    <p:cond delay="0"/>
+                                  </p:stCondLst>
+                                  <p:childTnLst>
+                                    <p:set>
+                                      <p:cBhvr>
+                                        <p:cTn id="10" dur="1" fill="hold">
+                                          <p:stCondLst>
+                                            <p:cond delay="0"/>
+                                          </p:stCondLst>
+                                        </p:cTn>
+                                        <p:tgtEl>
+                                          <p:spTgt spid="3">
+                                            <p:txEl>
+                                              <p:pRg st="6" end="6"/>
+                                            </p:txEl>
+                                          </p:spTgt>
+                                        </p:tgtEl>
+                                        <p:attrNameLst>
+                                          <p:attrName>style.visibility</p:attrName>
+                                        </p:attrNameLst>
+                                      </p:cBhvr>
+                                      <p:to>
+                                        <p:strVal val="visible"/>
+                                      </p:to>
+                                    </p:set>
+                                  </p:childTnLst>
+                                </p:cTn>
+                              </p:par>
+                            </p:childTnLst>
+                          </p:cTn>
+                        </p:par>
+                      </p:childTnLst>
+                    </p:cTn>
+                  </p:par>
+                </p:childTnLst>
+              </p:cTn>
+              <p:prevCondLst>
+                <p:cond evt="onPrev" delay="0">
+                  <p:tgtEl>
+                    <p:sldTgt/>
+                  </p:tgtEl>
+                </p:cond>
+              </p:prevCondLst>
+              <p:nextCondLst>
+                <p:cond evt="onNext" delay="0">
+                  <p:tgtEl>
+                    <p:sldTgt/>
+                  </p:tgtEl>
+                </p:cond>
+              </p:nextCondLst>
+            </p:seq>
+          </p:childTnLst>
+        </p:cTn>
+      </p:par>
+    </p:tnLst>
+  </p:timing>
 </p:sld>
 </file>
 
@@ -7217,15 +8195,6 @@
 </file>
 
 <file path=customXml/item2.xml><?xml version="1.0" encoding="utf-8"?>
-<?mso-contentType ?>
-<FormTemplates xmlns="http://schemas.microsoft.com/sharepoint/v3/contenttype/forms">
-  <Display>DocumentLibraryForm</Display>
-  <Edit>DocumentLibraryForm</Edit>
-  <New>DocumentLibraryForm</New>
-</FormTemplates>
-</file>
-
-<file path=customXml/item3.xml><?xml version="1.0" encoding="utf-8"?>
 <ct:contentTypeSchema xmlns:ct="http://schemas.microsoft.com/office/2006/metadata/contentType" xmlns:ma="http://schemas.microsoft.com/office/2006/metadata/properties/metaAttributes" ct:_="" ma:_="" ma:contentTypeName="Document" ma:contentTypeID="0x0101000937CBA2829AB54C847AA138BDB6DD62" ma:contentTypeVersion="6" ma:contentTypeDescription="Create a new document." ma:contentTypeScope="" ma:versionID="0f7e39fa3406a6f330081ac46f53a9d2">
   <xsd:schema xmlns:xsd="http://www.w3.org/2001/XMLSchema" xmlns:xs="http://www.w3.org/2001/XMLSchema" xmlns:p="http://schemas.microsoft.com/office/2006/metadata/properties" xmlns:ns2="ef38329b-e139-4eb4-9d7a-1b84c79a6610" targetNamespace="http://schemas.microsoft.com/office/2006/metadata/properties" ma:root="true" ma:fieldsID="c5e10262f8d934c139771ac03f38712c" ns2:_="">
     <xsd:import namespace="ef38329b-e139-4eb4-9d7a-1b84c79a6610"/>
@@ -7377,6 +8346,15 @@
 </ct:contentTypeSchema>
 </file>
 
+<file path=customXml/item3.xml><?xml version="1.0" encoding="utf-8"?>
+<?mso-contentType ?>
+<FormTemplates xmlns="http://schemas.microsoft.com/sharepoint/v3/contenttype/forms">
+  <Display>DocumentLibraryForm</Display>
+  <Edit>DocumentLibraryForm</Edit>
+  <New>DocumentLibraryForm</New>
+</FormTemplates>
+</file>
+
 <file path=customXml/itemProps1.xml><?xml version="1.0" encoding="utf-8"?>
 <ds:datastoreItem xmlns:ds="http://schemas.openxmlformats.org/officeDocument/2006/customXml" ds:itemID="{F990F116-B58F-4255-B05B-DA3808E0E5C6}">
   <ds:schemaRefs>
@@ -7394,14 +8372,6 @@
 </file>
 
 <file path=customXml/itemProps2.xml><?xml version="1.0" encoding="utf-8"?>
-<ds:datastoreItem xmlns:ds="http://schemas.openxmlformats.org/officeDocument/2006/customXml" ds:itemID="{758FDAC0-319D-4A54-8D8E-1D42CB1F8004}">
-  <ds:schemaRefs>
-    <ds:schemaRef ds:uri="http://schemas.microsoft.com/sharepoint/v3/contenttype/forms"/>
-  </ds:schemaRefs>
-</ds:datastoreItem>
-</file>
-
-<file path=customXml/itemProps3.xml><?xml version="1.0" encoding="utf-8"?>
 <ds:datastoreItem xmlns:ds="http://schemas.openxmlformats.org/officeDocument/2006/customXml" ds:itemID="{A4052A8C-2220-4E4B-95E2-C05C9863F10E}">
   <ds:schemaRefs>
     <ds:schemaRef ds:uri="ef38329b-e139-4eb4-9d7a-1b84c79a6610"/>
@@ -7419,6 +8389,14 @@
 </ds:datastoreItem>
 </file>
 
+<file path=customXml/itemProps3.xml><?xml version="1.0" encoding="utf-8"?>
+<ds:datastoreItem xmlns:ds="http://schemas.openxmlformats.org/officeDocument/2006/customXml" ds:itemID="{758FDAC0-319D-4A54-8D8E-1D42CB1F8004}">
+  <ds:schemaRefs>
+    <ds:schemaRef ds:uri="http://schemas.microsoft.com/sharepoint/v3/contenttype/forms"/>
+  </ds:schemaRefs>
+</ds:datastoreItem>
+</file>
+
 <file path=docMetadata/LabelInfo.xml><?xml version="1.0" encoding="utf-8"?>
 <clbl:labelList xmlns:clbl="http://schemas.microsoft.com/office/2020/mipLabelMetadata">
   <clbl:label id="{074e257c-5848-4582-9a6f-34a182080e71}" enabled="1" method="Privileged" siteId="{72f988bf-86f1-41af-91ab-2d7cd011db47}" removed="0"/>

--- a/Session 29 - Developing with the Power BI Quick Create SDK.pptx
+++ b/Session 29 - Developing with the Power BI Quick Create SDK.pptx
@@ -5,10 +5,10 @@
     <p:sldMasterId id="2147484551" r:id="rId4"/>
   </p:sldMasterIdLst>
   <p:notesMasterIdLst>
-    <p:notesMasterId r:id="rId25"/>
+    <p:notesMasterId r:id="rId26"/>
   </p:notesMasterIdLst>
   <p:handoutMasterIdLst>
-    <p:handoutMasterId r:id="rId26"/>
+    <p:handoutMasterId r:id="rId27"/>
   </p:handoutMasterIdLst>
   <p:sldIdLst>
     <p:sldId id="4474" r:id="rId5"/>
@@ -26,11 +26,12 @@
     <p:sldId id="2076138645" r:id="rId17"/>
     <p:sldId id="2076138646" r:id="rId18"/>
     <p:sldId id="2076138647" r:id="rId19"/>
-    <p:sldId id="2076138648" r:id="rId20"/>
-    <p:sldId id="263" r:id="rId21"/>
-    <p:sldId id="261" r:id="rId22"/>
-    <p:sldId id="2076138640" r:id="rId23"/>
-    <p:sldId id="4505" r:id="rId24"/>
+    <p:sldId id="2076138649" r:id="rId20"/>
+    <p:sldId id="2076138648" r:id="rId21"/>
+    <p:sldId id="263" r:id="rId22"/>
+    <p:sldId id="261" r:id="rId23"/>
+    <p:sldId id="2076138640" r:id="rId24"/>
+    <p:sldId id="4505" r:id="rId25"/>
   </p:sldIdLst>
   <p:sldSz cx="12436475" cy="6994525"/>
   <p:notesSz cx="7010400" cy="9296400"/>
@@ -149,6 +150,7 @@
             <p14:sldId id="2076138645"/>
             <p14:sldId id="2076138646"/>
             <p14:sldId id="2076138647"/>
+            <p14:sldId id="2076138649"/>
             <p14:sldId id="2076138648"/>
             <p14:sldId id="263"/>
             <p14:sldId id="261"/>
@@ -501,7 +503,7 @@
           <a:p>
             <a:fld id="{DCE60099-03E7-4FA1-8A7F-E6E6CFB0F855}" type="datetime8">
               <a:rPr lang="en-US" smtClean="0"/>
-              <a:t>12/15/2022 12:23 PM</a:t>
+              <a:t>12/15/2022 12:57 PM</a:t>
             </a:fld>
             <a:endParaRPr lang="en-US"/>
           </a:p>
@@ -1153,7 +1155,7 @@
             <a:fld id="{B4008EB6-D09E-4580-8CD6-DDB14511944F}" type="slidenum">
               <a:rPr lang="en-US" smtClean="0"/>
               <a:pPr/>
-              <a:t>20</a:t>
+              <a:t>21</a:t>
             </a:fld>
             <a:endParaRPr lang="en-US"/>
           </a:p>
@@ -4017,7 +4019,7 @@
         </p:blipFill>
         <p:spPr>
           <a:xfrm>
-            <a:off x="1000228" y="1229852"/>
+            <a:off x="3566447" y="1170857"/>
             <a:ext cx="7800975" cy="5419725"/>
           </a:xfrm>
           <a:prstGeom prst="rect">
@@ -4030,6 +4032,312 @@
           </a:ln>
         </p:spPr>
       </p:pic>
+      <p:grpSp>
+        <p:nvGrpSpPr>
+          <p:cNvPr id="15" name="Group 14">
+            <a:extLst>
+              <a:ext uri="{FF2B5EF4-FFF2-40B4-BE49-F238E27FC236}">
+                <a16:creationId xmlns:a16="http://schemas.microsoft.com/office/drawing/2014/main" id="{4B2811A4-BF6A-C5D2-9DFA-B46918BECD00}"/>
+              </a:ext>
+            </a:extLst>
+          </p:cNvPr>
+          <p:cNvGrpSpPr/>
+          <p:nvPr/>
+        </p:nvGrpSpPr>
+        <p:grpSpPr>
+          <a:xfrm>
+            <a:off x="441785" y="1387945"/>
+            <a:ext cx="3382963" cy="671513"/>
+            <a:chOff x="4384522" y="1466596"/>
+            <a:chExt cx="3382963" cy="671513"/>
+          </a:xfrm>
+        </p:grpSpPr>
+        <p:pic>
+          <p:nvPicPr>
+            <p:cNvPr id="6" name="Picture 5">
+              <a:extLst>
+                <a:ext uri="{FF2B5EF4-FFF2-40B4-BE49-F238E27FC236}">
+                  <a16:creationId xmlns:a16="http://schemas.microsoft.com/office/drawing/2014/main" id="{8D2B3CD8-A261-C911-F86D-F62C8F9EC14E}"/>
+                </a:ext>
+              </a:extLst>
+            </p:cNvPr>
+            <p:cNvPicPr>
+              <a:picLocks noChangeAspect="1"/>
+            </p:cNvPicPr>
+            <p:nvPr/>
+          </p:nvPicPr>
+          <p:blipFill>
+            <a:blip r:embed="rId3"/>
+            <a:stretch>
+              <a:fillRect/>
+            </a:stretch>
+          </p:blipFill>
+          <p:spPr>
+            <a:xfrm>
+              <a:off x="4384522" y="1466596"/>
+              <a:ext cx="2514600" cy="671513"/>
+            </a:xfrm>
+            <a:prstGeom prst="rect">
+              <a:avLst/>
+            </a:prstGeom>
+            <a:ln>
+              <a:solidFill>
+                <a:schemeClr val="tx1"/>
+              </a:solidFill>
+            </a:ln>
+          </p:spPr>
+        </p:pic>
+        <p:cxnSp>
+          <p:nvCxnSpPr>
+            <p:cNvPr id="9" name="Straight Arrow Connector 8">
+              <a:extLst>
+                <a:ext uri="{FF2B5EF4-FFF2-40B4-BE49-F238E27FC236}">
+                  <a16:creationId xmlns:a16="http://schemas.microsoft.com/office/drawing/2014/main" id="{9C3B53CA-202E-CD6B-1857-588F6F0F0E6A}"/>
+                </a:ext>
+              </a:extLst>
+            </p:cNvPr>
+            <p:cNvCxnSpPr>
+              <a:cxnSpLocks/>
+              <a:stCxn id="6" idx="3"/>
+            </p:cNvCxnSpPr>
+            <p:nvPr/>
+          </p:nvCxnSpPr>
+          <p:spPr>
+            <a:xfrm>
+              <a:off x="6899122" y="1802353"/>
+              <a:ext cx="868363" cy="13414"/>
+            </a:xfrm>
+            <a:prstGeom prst="straightConnector1">
+              <a:avLst/>
+            </a:prstGeom>
+            <a:ln w="28575">
+              <a:solidFill>
+                <a:srgbClr val="920000"/>
+              </a:solidFill>
+              <a:headEnd type="none"/>
+              <a:tailEnd type="triangle"/>
+            </a:ln>
+          </p:spPr>
+          <p:style>
+            <a:lnRef idx="1">
+              <a:schemeClr val="accent1"/>
+            </a:lnRef>
+            <a:fillRef idx="0">
+              <a:schemeClr val="accent1"/>
+            </a:fillRef>
+            <a:effectRef idx="0">
+              <a:schemeClr val="accent1"/>
+            </a:effectRef>
+            <a:fontRef idx="minor">
+              <a:schemeClr val="tx1"/>
+            </a:fontRef>
+          </p:style>
+        </p:cxnSp>
+      </p:grpSp>
+      <p:grpSp>
+        <p:nvGrpSpPr>
+          <p:cNvPr id="20" name="Group 19">
+            <a:extLst>
+              <a:ext uri="{FF2B5EF4-FFF2-40B4-BE49-F238E27FC236}">
+                <a16:creationId xmlns:a16="http://schemas.microsoft.com/office/drawing/2014/main" id="{27333919-576F-F6FA-84EE-BAE27FE070D3}"/>
+              </a:ext>
+            </a:extLst>
+          </p:cNvPr>
+          <p:cNvGrpSpPr/>
+          <p:nvPr/>
+        </p:nvGrpSpPr>
+        <p:grpSpPr>
+          <a:xfrm>
+            <a:off x="378643" y="2242422"/>
+            <a:ext cx="3908222" cy="628650"/>
+            <a:chOff x="1804321" y="69493"/>
+            <a:chExt cx="3908222" cy="628650"/>
+          </a:xfrm>
+        </p:grpSpPr>
+        <p:pic>
+          <p:nvPicPr>
+            <p:cNvPr id="7" name="Picture 6">
+              <a:extLst>
+                <a:ext uri="{FF2B5EF4-FFF2-40B4-BE49-F238E27FC236}">
+                  <a16:creationId xmlns:a16="http://schemas.microsoft.com/office/drawing/2014/main" id="{43572990-67C1-3047-0877-EECA1D179B5A}"/>
+                </a:ext>
+              </a:extLst>
+            </p:cNvPr>
+            <p:cNvPicPr>
+              <a:picLocks noChangeAspect="1"/>
+            </p:cNvPicPr>
+            <p:nvPr/>
+          </p:nvPicPr>
+          <p:blipFill>
+            <a:blip r:embed="rId4"/>
+            <a:stretch>
+              <a:fillRect/>
+            </a:stretch>
+          </p:blipFill>
+          <p:spPr>
+            <a:xfrm>
+              <a:off x="1804321" y="69493"/>
+              <a:ext cx="2550319" cy="628650"/>
+            </a:xfrm>
+            <a:prstGeom prst="rect">
+              <a:avLst/>
+            </a:prstGeom>
+            <a:ln>
+              <a:solidFill>
+                <a:schemeClr val="tx1"/>
+              </a:solidFill>
+            </a:ln>
+          </p:spPr>
+        </p:pic>
+        <p:cxnSp>
+          <p:nvCxnSpPr>
+            <p:cNvPr id="12" name="Straight Arrow Connector 11">
+              <a:extLst>
+                <a:ext uri="{FF2B5EF4-FFF2-40B4-BE49-F238E27FC236}">
+                  <a16:creationId xmlns:a16="http://schemas.microsoft.com/office/drawing/2014/main" id="{8CEA33D1-481D-114B-09DF-AA9E47E13A16}"/>
+                </a:ext>
+              </a:extLst>
+            </p:cNvPr>
+            <p:cNvCxnSpPr>
+              <a:cxnSpLocks/>
+              <a:stCxn id="7" idx="3"/>
+            </p:cNvCxnSpPr>
+            <p:nvPr/>
+          </p:nvCxnSpPr>
+          <p:spPr>
+            <a:xfrm flipV="1">
+              <a:off x="4354640" y="240439"/>
+              <a:ext cx="1357903" cy="143379"/>
+            </a:xfrm>
+            <a:prstGeom prst="straightConnector1">
+              <a:avLst/>
+            </a:prstGeom>
+            <a:ln w="28575">
+              <a:solidFill>
+                <a:srgbClr val="920000"/>
+              </a:solidFill>
+              <a:headEnd type="none"/>
+              <a:tailEnd type="triangle"/>
+            </a:ln>
+          </p:spPr>
+          <p:style>
+            <a:lnRef idx="1">
+              <a:schemeClr val="accent1"/>
+            </a:lnRef>
+            <a:fillRef idx="0">
+              <a:schemeClr val="accent1"/>
+            </a:fillRef>
+            <a:effectRef idx="0">
+              <a:schemeClr val="accent1"/>
+            </a:effectRef>
+            <a:fontRef idx="minor">
+              <a:schemeClr val="tx1"/>
+            </a:fontRef>
+          </p:style>
+        </p:cxnSp>
+      </p:grpSp>
+      <p:grpSp>
+        <p:nvGrpSpPr>
+          <p:cNvPr id="22" name="Group 21">
+            <a:extLst>
+              <a:ext uri="{FF2B5EF4-FFF2-40B4-BE49-F238E27FC236}">
+                <a16:creationId xmlns:a16="http://schemas.microsoft.com/office/drawing/2014/main" id="{D223FC77-0A02-0922-9AB1-D03AEB5FD1DC}"/>
+              </a:ext>
+            </a:extLst>
+          </p:cNvPr>
+          <p:cNvGrpSpPr/>
+          <p:nvPr/>
+        </p:nvGrpSpPr>
+        <p:grpSpPr>
+          <a:xfrm>
+            <a:off x="369381" y="3040062"/>
+            <a:ext cx="3410456" cy="689764"/>
+            <a:chOff x="300555" y="3148217"/>
+            <a:chExt cx="3410456" cy="689764"/>
+          </a:xfrm>
+        </p:grpSpPr>
+        <p:pic>
+          <p:nvPicPr>
+            <p:cNvPr id="4" name="Picture 3">
+              <a:extLst>
+                <a:ext uri="{FF2B5EF4-FFF2-40B4-BE49-F238E27FC236}">
+                  <a16:creationId xmlns:a16="http://schemas.microsoft.com/office/drawing/2014/main" id="{53326F6E-6280-EB5E-460E-FF97AE5D21F3}"/>
+                </a:ext>
+              </a:extLst>
+            </p:cNvPr>
+            <p:cNvPicPr>
+              <a:picLocks noChangeAspect="1"/>
+            </p:cNvPicPr>
+            <p:nvPr/>
+          </p:nvPicPr>
+          <p:blipFill>
+            <a:blip r:embed="rId5"/>
+            <a:stretch>
+              <a:fillRect/>
+            </a:stretch>
+          </p:blipFill>
+          <p:spPr>
+            <a:xfrm>
+              <a:off x="300555" y="3166468"/>
+              <a:ext cx="2364581" cy="671513"/>
+            </a:xfrm>
+            <a:prstGeom prst="rect">
+              <a:avLst/>
+            </a:prstGeom>
+            <a:ln>
+              <a:solidFill>
+                <a:schemeClr val="tx1"/>
+              </a:solidFill>
+            </a:ln>
+          </p:spPr>
+        </p:pic>
+        <p:cxnSp>
+          <p:nvCxnSpPr>
+            <p:cNvPr id="13" name="Straight Arrow Connector 12">
+              <a:extLst>
+                <a:ext uri="{FF2B5EF4-FFF2-40B4-BE49-F238E27FC236}">
+                  <a16:creationId xmlns:a16="http://schemas.microsoft.com/office/drawing/2014/main" id="{7EABEAA4-74AB-89B7-EC01-8EFBD36D14F2}"/>
+                </a:ext>
+              </a:extLst>
+            </p:cNvPr>
+            <p:cNvCxnSpPr>
+              <a:cxnSpLocks/>
+              <a:stCxn id="4" idx="3"/>
+            </p:cNvCxnSpPr>
+            <p:nvPr/>
+          </p:nvCxnSpPr>
+          <p:spPr>
+            <a:xfrm flipV="1">
+              <a:off x="2665136" y="3148217"/>
+              <a:ext cx="1045875" cy="354008"/>
+            </a:xfrm>
+            <a:prstGeom prst="straightConnector1">
+              <a:avLst/>
+            </a:prstGeom>
+            <a:ln w="28575">
+              <a:solidFill>
+                <a:srgbClr val="920000"/>
+              </a:solidFill>
+              <a:headEnd type="none"/>
+              <a:tailEnd type="triangle"/>
+            </a:ln>
+          </p:spPr>
+          <p:style>
+            <a:lnRef idx="1">
+              <a:schemeClr val="accent1"/>
+            </a:lnRef>
+            <a:fillRef idx="0">
+              <a:schemeClr val="accent1"/>
+            </a:fillRef>
+            <a:effectRef idx="0">
+              <a:schemeClr val="accent1"/>
+            </a:effectRef>
+            <a:fontRef idx="minor">
+              <a:schemeClr val="tx1"/>
+            </a:fontRef>
+          </p:style>
+        </p:cxnSp>
+      </p:grpSp>
     </p:spTree>
     <p:extLst>
       <p:ext uri="{BB962C8B-B14F-4D97-AF65-F5344CB8AC3E}">
@@ -4043,6 +4351,171 @@
   <p:transition>
     <p:fade/>
   </p:transition>
+  <p:timing>
+    <p:tnLst>
+      <p:par>
+        <p:cTn id="1" dur="indefinite" restart="never" nodeType="tmRoot">
+          <p:childTnLst>
+            <p:seq concurrent="1" nextAc="seek">
+              <p:cTn id="2" dur="indefinite" nodeType="mainSeq">
+                <p:childTnLst>
+                  <p:par>
+                    <p:cTn id="3" fill="hold">
+                      <p:stCondLst>
+                        <p:cond delay="indefinite"/>
+                      </p:stCondLst>
+                      <p:childTnLst>
+                        <p:par>
+                          <p:cTn id="4" fill="hold">
+                            <p:stCondLst>
+                              <p:cond delay="0"/>
+                            </p:stCondLst>
+                            <p:childTnLst>
+                              <p:par>
+                                <p:cTn id="5" presetID="1" presetClass="entr" presetSubtype="0" fill="hold" nodeType="clickEffect">
+                                  <p:stCondLst>
+                                    <p:cond delay="0"/>
+                                  </p:stCondLst>
+                                  <p:childTnLst>
+                                    <p:set>
+                                      <p:cBhvr>
+                                        <p:cTn id="6" dur="1" fill="hold">
+                                          <p:stCondLst>
+                                            <p:cond delay="0"/>
+                                          </p:stCondLst>
+                                        </p:cTn>
+                                        <p:tgtEl>
+                                          <p:spTgt spid="15"/>
+                                        </p:tgtEl>
+                                        <p:attrNameLst>
+                                          <p:attrName>style.visibility</p:attrName>
+                                        </p:attrNameLst>
+                                      </p:cBhvr>
+                                      <p:to>
+                                        <p:strVal val="visible"/>
+                                      </p:to>
+                                    </p:set>
+                                  </p:childTnLst>
+                                </p:cTn>
+                              </p:par>
+                            </p:childTnLst>
+                          </p:cTn>
+                        </p:par>
+                      </p:childTnLst>
+                    </p:cTn>
+                  </p:par>
+                  <p:par>
+                    <p:cTn id="7" fill="hold">
+                      <p:stCondLst>
+                        <p:cond delay="indefinite"/>
+                      </p:stCondLst>
+                      <p:childTnLst>
+                        <p:par>
+                          <p:cTn id="8" fill="hold">
+                            <p:stCondLst>
+                              <p:cond delay="0"/>
+                            </p:stCondLst>
+                            <p:childTnLst>
+                              <p:par>
+                                <p:cTn id="9" presetID="1" presetClass="entr" presetSubtype="0" fill="hold" nodeType="clickEffect">
+                                  <p:stCondLst>
+                                    <p:cond delay="0"/>
+                                  </p:stCondLst>
+                                  <p:childTnLst>
+                                    <p:set>
+                                      <p:cBhvr>
+                                        <p:cTn id="10" dur="1" fill="hold">
+                                          <p:stCondLst>
+                                            <p:cond delay="0"/>
+                                          </p:stCondLst>
+                                        </p:cTn>
+                                        <p:tgtEl>
+                                          <p:spTgt spid="20"/>
+                                        </p:tgtEl>
+                                        <p:attrNameLst>
+                                          <p:attrName>style.visibility</p:attrName>
+                                        </p:attrNameLst>
+                                      </p:cBhvr>
+                                      <p:to>
+                                        <p:strVal val="visible"/>
+                                      </p:to>
+                                    </p:set>
+                                  </p:childTnLst>
+                                </p:cTn>
+                              </p:par>
+                            </p:childTnLst>
+                          </p:cTn>
+                        </p:par>
+                      </p:childTnLst>
+                    </p:cTn>
+                  </p:par>
+                  <p:par>
+                    <p:cTn id="11" fill="hold">
+                      <p:stCondLst>
+                        <p:cond delay="indefinite"/>
+                      </p:stCondLst>
+                      <p:childTnLst>
+                        <p:par>
+                          <p:cTn id="12" fill="hold">
+                            <p:stCondLst>
+                              <p:cond delay="0"/>
+                            </p:stCondLst>
+                            <p:childTnLst>
+                              <p:par>
+                                <p:cTn id="13" presetID="1" presetClass="entr" presetSubtype="0" fill="hold" nodeType="clickEffect">
+                                  <p:stCondLst>
+                                    <p:cond delay="0"/>
+                                  </p:stCondLst>
+                                  <p:childTnLst>
+                                    <p:set>
+                                      <p:cBhvr>
+                                        <p:cTn id="14" dur="1" fill="hold">
+                                          <p:stCondLst>
+                                            <p:cond delay="0"/>
+                                          </p:stCondLst>
+                                        </p:cTn>
+                                        <p:tgtEl>
+                                          <p:spTgt spid="22"/>
+                                        </p:tgtEl>
+                                        <p:attrNameLst>
+                                          <p:attrName>style.visibility</p:attrName>
+                                        </p:attrNameLst>
+                                      </p:cBhvr>
+                                      <p:to>
+                                        <p:strVal val="visible"/>
+                                      </p:to>
+                                    </p:set>
+                                  </p:childTnLst>
+                                </p:cTn>
+                              </p:par>
+                            </p:childTnLst>
+                          </p:cTn>
+                        </p:par>
+                      </p:childTnLst>
+                    </p:cTn>
+                  </p:par>
+                </p:childTnLst>
+              </p:cTn>
+              <p:prevCondLst>
+                <p:cond evt="onPrev" delay="0">
+                  <p:tgtEl>
+                    <p:sldTgt/>
+                  </p:tgtEl>
+                </p:cond>
+              </p:prevCondLst>
+              <p:nextCondLst>
+                <p:cond evt="onNext" delay="0">
+                  <p:tgtEl>
+                    <p:sldTgt/>
+                  </p:tgtEl>
+                </p:cond>
+              </p:nextCondLst>
+            </p:seq>
+          </p:childTnLst>
+        </p:cTn>
+      </p:par>
+    </p:tnLst>
+  </p:timing>
 </p:sld>
 </file>
 
@@ -4667,7 +5140,10 @@
               <a:rPr lang="en-US" dirty="0" err="1"/>
               <a:t>PowerBiQuickCreateDemo</a:t>
             </a:r>
-            <a:endParaRPr lang="en-US" dirty="0"/>
+            <a:r>
+              <a:rPr lang="en-US" dirty="0"/>
+              <a:t> Project</a:t>
+            </a:r>
           </a:p>
         </p:txBody>
       </p:sp>
@@ -4973,10 +5449,718 @@
   <p:transition>
     <p:fade/>
   </p:transition>
+  <p:timing>
+    <p:tnLst>
+      <p:par>
+        <p:cTn id="1" dur="indefinite" restart="never" nodeType="tmRoot">
+          <p:childTnLst>
+            <p:seq concurrent="1" nextAc="seek">
+              <p:cTn id="2" dur="indefinite" nodeType="mainSeq">
+                <p:childTnLst>
+                  <p:par>
+                    <p:cTn id="3" fill="hold">
+                      <p:stCondLst>
+                        <p:cond delay="indefinite"/>
+                      </p:stCondLst>
+                      <p:childTnLst>
+                        <p:par>
+                          <p:cTn id="4" fill="hold">
+                            <p:stCondLst>
+                              <p:cond delay="0"/>
+                            </p:stCondLst>
+                            <p:childTnLst>
+                              <p:par>
+                                <p:cTn id="5" presetID="1" presetClass="entr" presetSubtype="0" fill="hold" nodeType="clickEffect">
+                                  <p:stCondLst>
+                                    <p:cond delay="0"/>
+                                  </p:stCondLst>
+                                  <p:childTnLst>
+                                    <p:set>
+                                      <p:cBhvr>
+                                        <p:cTn id="6" dur="1" fill="hold">
+                                          <p:stCondLst>
+                                            <p:cond delay="0"/>
+                                          </p:stCondLst>
+                                        </p:cTn>
+                                        <p:tgtEl>
+                                          <p:spTgt spid="10">
+                                            <p:txEl>
+                                              <p:pRg st="1" end="1"/>
+                                            </p:txEl>
+                                          </p:spTgt>
+                                        </p:tgtEl>
+                                        <p:attrNameLst>
+                                          <p:attrName>style.visibility</p:attrName>
+                                        </p:attrNameLst>
+                                      </p:cBhvr>
+                                      <p:to>
+                                        <p:strVal val="visible"/>
+                                      </p:to>
+                                    </p:set>
+                                  </p:childTnLst>
+                                </p:cTn>
+                              </p:par>
+                              <p:par>
+                                <p:cTn id="7" presetID="1" presetClass="entr" presetSubtype="0" fill="hold" nodeType="withEffect">
+                                  <p:stCondLst>
+                                    <p:cond delay="0"/>
+                                  </p:stCondLst>
+                                  <p:childTnLst>
+                                    <p:set>
+                                      <p:cBhvr>
+                                        <p:cTn id="8" dur="1" fill="hold">
+                                          <p:stCondLst>
+                                            <p:cond delay="0"/>
+                                          </p:stCondLst>
+                                        </p:cTn>
+                                        <p:tgtEl>
+                                          <p:spTgt spid="6"/>
+                                        </p:tgtEl>
+                                        <p:attrNameLst>
+                                          <p:attrName>style.visibility</p:attrName>
+                                        </p:attrNameLst>
+                                      </p:cBhvr>
+                                      <p:to>
+                                        <p:strVal val="visible"/>
+                                      </p:to>
+                                    </p:set>
+                                  </p:childTnLst>
+                                </p:cTn>
+                              </p:par>
+                            </p:childTnLst>
+                          </p:cTn>
+                        </p:par>
+                      </p:childTnLst>
+                    </p:cTn>
+                  </p:par>
+                  <p:par>
+                    <p:cTn id="9" fill="hold">
+                      <p:stCondLst>
+                        <p:cond delay="indefinite"/>
+                      </p:stCondLst>
+                      <p:childTnLst>
+                        <p:par>
+                          <p:cTn id="10" fill="hold">
+                            <p:stCondLst>
+                              <p:cond delay="0"/>
+                            </p:stCondLst>
+                            <p:childTnLst>
+                              <p:par>
+                                <p:cTn id="11" presetID="1" presetClass="entr" presetSubtype="0" fill="hold" nodeType="clickEffect">
+                                  <p:stCondLst>
+                                    <p:cond delay="0"/>
+                                  </p:stCondLst>
+                                  <p:childTnLst>
+                                    <p:set>
+                                      <p:cBhvr>
+                                        <p:cTn id="12" dur="1" fill="hold">
+                                          <p:stCondLst>
+                                            <p:cond delay="0"/>
+                                          </p:stCondLst>
+                                        </p:cTn>
+                                        <p:tgtEl>
+                                          <p:spTgt spid="10">
+                                            <p:txEl>
+                                              <p:pRg st="2" end="2"/>
+                                            </p:txEl>
+                                          </p:spTgt>
+                                        </p:tgtEl>
+                                        <p:attrNameLst>
+                                          <p:attrName>style.visibility</p:attrName>
+                                        </p:attrNameLst>
+                                      </p:cBhvr>
+                                      <p:to>
+                                        <p:strVal val="visible"/>
+                                      </p:to>
+                                    </p:set>
+                                  </p:childTnLst>
+                                </p:cTn>
+                              </p:par>
+                              <p:par>
+                                <p:cTn id="13" presetID="1" presetClass="entr" presetSubtype="0" fill="hold" nodeType="withEffect">
+                                  <p:stCondLst>
+                                    <p:cond delay="0"/>
+                                  </p:stCondLst>
+                                  <p:childTnLst>
+                                    <p:set>
+                                      <p:cBhvr>
+                                        <p:cTn id="14" dur="1" fill="hold">
+                                          <p:stCondLst>
+                                            <p:cond delay="0"/>
+                                          </p:stCondLst>
+                                        </p:cTn>
+                                        <p:tgtEl>
+                                          <p:spTgt spid="20"/>
+                                        </p:tgtEl>
+                                        <p:attrNameLst>
+                                          <p:attrName>style.visibility</p:attrName>
+                                        </p:attrNameLst>
+                                      </p:cBhvr>
+                                      <p:to>
+                                        <p:strVal val="visible"/>
+                                      </p:to>
+                                    </p:set>
+                                  </p:childTnLst>
+                                </p:cTn>
+                              </p:par>
+                            </p:childTnLst>
+                          </p:cTn>
+                        </p:par>
+                      </p:childTnLst>
+                    </p:cTn>
+                  </p:par>
+                  <p:par>
+                    <p:cTn id="15" fill="hold">
+                      <p:stCondLst>
+                        <p:cond delay="indefinite"/>
+                      </p:stCondLst>
+                      <p:childTnLst>
+                        <p:par>
+                          <p:cTn id="16" fill="hold">
+                            <p:stCondLst>
+                              <p:cond delay="0"/>
+                            </p:stCondLst>
+                            <p:childTnLst>
+                              <p:par>
+                                <p:cTn id="17" presetID="1" presetClass="entr" presetSubtype="0" fill="hold" nodeType="clickEffect">
+                                  <p:stCondLst>
+                                    <p:cond delay="0"/>
+                                  </p:stCondLst>
+                                  <p:childTnLst>
+                                    <p:set>
+                                      <p:cBhvr>
+                                        <p:cTn id="18" dur="1" fill="hold">
+                                          <p:stCondLst>
+                                            <p:cond delay="0"/>
+                                          </p:stCondLst>
+                                        </p:cTn>
+                                        <p:tgtEl>
+                                          <p:spTgt spid="10">
+                                            <p:txEl>
+                                              <p:pRg st="3" end="3"/>
+                                            </p:txEl>
+                                          </p:spTgt>
+                                        </p:tgtEl>
+                                        <p:attrNameLst>
+                                          <p:attrName>style.visibility</p:attrName>
+                                        </p:attrNameLst>
+                                      </p:cBhvr>
+                                      <p:to>
+                                        <p:strVal val="visible"/>
+                                      </p:to>
+                                    </p:set>
+                                  </p:childTnLst>
+                                </p:cTn>
+                              </p:par>
+                              <p:par>
+                                <p:cTn id="19" presetID="1" presetClass="entr" presetSubtype="0" fill="hold" nodeType="withEffect">
+                                  <p:stCondLst>
+                                    <p:cond delay="0"/>
+                                  </p:stCondLst>
+                                  <p:childTnLst>
+                                    <p:set>
+                                      <p:cBhvr>
+                                        <p:cTn id="20" dur="1" fill="hold">
+                                          <p:stCondLst>
+                                            <p:cond delay="0"/>
+                                          </p:stCondLst>
+                                        </p:cTn>
+                                        <p:tgtEl>
+                                          <p:spTgt spid="21"/>
+                                        </p:tgtEl>
+                                        <p:attrNameLst>
+                                          <p:attrName>style.visibility</p:attrName>
+                                        </p:attrNameLst>
+                                      </p:cBhvr>
+                                      <p:to>
+                                        <p:strVal val="visible"/>
+                                      </p:to>
+                                    </p:set>
+                                  </p:childTnLst>
+                                </p:cTn>
+                              </p:par>
+                            </p:childTnLst>
+                          </p:cTn>
+                        </p:par>
+                      </p:childTnLst>
+                    </p:cTn>
+                  </p:par>
+                </p:childTnLst>
+              </p:cTn>
+              <p:prevCondLst>
+                <p:cond evt="onPrev" delay="0">
+                  <p:tgtEl>
+                    <p:sldTgt/>
+                  </p:tgtEl>
+                </p:cond>
+              </p:prevCondLst>
+              <p:nextCondLst>
+                <p:cond evt="onNext" delay="0">
+                  <p:tgtEl>
+                    <p:sldTgt/>
+                  </p:tgtEl>
+                </p:cond>
+              </p:nextCondLst>
+            </p:seq>
+          </p:childTnLst>
+        </p:cTn>
+      </p:par>
+    </p:tnLst>
+  </p:timing>
 </p:sld>
 </file>
 
 <file path=ppt/slides/slide16.xml><?xml version="1.0" encoding="utf-8"?>
+<p:sld xmlns:a="http://schemas.openxmlformats.org/drawingml/2006/main" xmlns:r="http://schemas.openxmlformats.org/officeDocument/2006/relationships" xmlns:p="http://schemas.openxmlformats.org/presentationml/2006/main">
+  <p:cSld>
+    <p:spTree>
+      <p:nvGrpSpPr>
+        <p:cNvPr id="1" name=""/>
+        <p:cNvGrpSpPr/>
+        <p:nvPr/>
+      </p:nvGrpSpPr>
+      <p:grpSpPr>
+        <a:xfrm>
+          <a:off x="0" y="0"/>
+          <a:ext cx="0" cy="0"/>
+          <a:chOff x="0" y="0"/>
+          <a:chExt cx="0" cy="0"/>
+        </a:xfrm>
+      </p:grpSpPr>
+      <p:sp>
+        <p:nvSpPr>
+          <p:cNvPr id="2" name="Title 1">
+            <a:extLst>
+              <a:ext uri="{FF2B5EF4-FFF2-40B4-BE49-F238E27FC236}">
+                <a16:creationId xmlns:a16="http://schemas.microsoft.com/office/drawing/2014/main" id="{00A74187-4307-2338-6DFB-D2BFE01B3116}"/>
+              </a:ext>
+            </a:extLst>
+          </p:cNvPr>
+          <p:cNvSpPr>
+            <a:spLocks noGrp="1"/>
+          </p:cNvSpPr>
+          <p:nvPr>
+            <p:ph type="title"/>
+          </p:nvPr>
+        </p:nvSpPr>
+        <p:spPr/>
+        <p:txBody>
+          <a:bodyPr/>
+          <a:lstStyle/>
+          <a:p>
+            <a:r>
+              <a:rPr lang="en-US" dirty="0" err="1"/>
+              <a:t>PowerBiQuickCreateDemo</a:t>
+            </a:r>
+            <a:r>
+              <a:rPr lang="en-US" dirty="0"/>
+              <a:t> In Action</a:t>
+            </a:r>
+          </a:p>
+        </p:txBody>
+      </p:sp>
+      <p:pic>
+        <p:nvPicPr>
+          <p:cNvPr id="4" name="Picture 3">
+            <a:extLst>
+              <a:ext uri="{FF2B5EF4-FFF2-40B4-BE49-F238E27FC236}">
+                <a16:creationId xmlns:a16="http://schemas.microsoft.com/office/drawing/2014/main" id="{BA9DE18D-81AA-4336-10E7-C668E70399F7}"/>
+              </a:ext>
+            </a:extLst>
+          </p:cNvPr>
+          <p:cNvPicPr>
+            <a:picLocks noChangeAspect="1"/>
+          </p:cNvPicPr>
+          <p:nvPr/>
+        </p:nvPicPr>
+        <p:blipFill>
+          <a:blip r:embed="rId2"/>
+          <a:stretch>
+            <a:fillRect/>
+          </a:stretch>
+        </p:blipFill>
+        <p:spPr>
+          <a:xfrm>
+            <a:off x="980688" y="1256582"/>
+            <a:ext cx="9414510" cy="5360670"/>
+          </a:xfrm>
+          <a:prstGeom prst="rect">
+            <a:avLst/>
+          </a:prstGeom>
+          <a:ln>
+            <a:solidFill>
+              <a:schemeClr val="tx1"/>
+            </a:solidFill>
+          </a:ln>
+        </p:spPr>
+      </p:pic>
+      <p:pic>
+        <p:nvPicPr>
+          <p:cNvPr id="6" name="Picture 5">
+            <a:extLst>
+              <a:ext uri="{FF2B5EF4-FFF2-40B4-BE49-F238E27FC236}">
+                <a16:creationId xmlns:a16="http://schemas.microsoft.com/office/drawing/2014/main" id="{2198B0B4-FF03-F704-07CD-CC8A22231C28}"/>
+              </a:ext>
+            </a:extLst>
+          </p:cNvPr>
+          <p:cNvPicPr>
+            <a:picLocks noChangeAspect="1"/>
+          </p:cNvPicPr>
+          <p:nvPr/>
+        </p:nvPicPr>
+        <p:blipFill>
+          <a:blip r:embed="rId3"/>
+          <a:stretch>
+            <a:fillRect/>
+          </a:stretch>
+        </p:blipFill>
+        <p:spPr>
+          <a:xfrm>
+            <a:off x="3635572" y="3801360"/>
+            <a:ext cx="3891926" cy="2715297"/>
+          </a:xfrm>
+          <a:prstGeom prst="rect">
+            <a:avLst/>
+          </a:prstGeom>
+          <a:ln>
+            <a:solidFill>
+              <a:schemeClr val="tx1"/>
+            </a:solidFill>
+          </a:ln>
+        </p:spPr>
+      </p:pic>
+      <p:pic>
+        <p:nvPicPr>
+          <p:cNvPr id="8" name="Picture 7">
+            <a:extLst>
+              <a:ext uri="{FF2B5EF4-FFF2-40B4-BE49-F238E27FC236}">
+                <a16:creationId xmlns:a16="http://schemas.microsoft.com/office/drawing/2014/main" id="{40BEF89E-2FB5-77E2-3A30-2770459FF40E}"/>
+              </a:ext>
+            </a:extLst>
+          </p:cNvPr>
+          <p:cNvPicPr>
+            <a:picLocks noChangeAspect="1"/>
+          </p:cNvPicPr>
+          <p:nvPr/>
+        </p:nvPicPr>
+        <p:blipFill>
+          <a:blip r:embed="rId4"/>
+          <a:stretch>
+            <a:fillRect/>
+          </a:stretch>
+        </p:blipFill>
+        <p:spPr>
+          <a:xfrm>
+            <a:off x="982312" y="1262371"/>
+            <a:ext cx="9414510" cy="5360670"/>
+          </a:xfrm>
+          <a:prstGeom prst="rect">
+            <a:avLst/>
+          </a:prstGeom>
+          <a:ln>
+            <a:solidFill>
+              <a:schemeClr val="tx1"/>
+            </a:solidFill>
+          </a:ln>
+        </p:spPr>
+      </p:pic>
+      <p:pic>
+        <p:nvPicPr>
+          <p:cNvPr id="10" name="Picture 9">
+            <a:extLst>
+              <a:ext uri="{FF2B5EF4-FFF2-40B4-BE49-F238E27FC236}">
+                <a16:creationId xmlns:a16="http://schemas.microsoft.com/office/drawing/2014/main" id="{0AF60442-FE5E-9D8C-60A6-BDE732D959CE}"/>
+              </a:ext>
+            </a:extLst>
+          </p:cNvPr>
+          <p:cNvPicPr>
+            <a:picLocks noChangeAspect="1"/>
+          </p:cNvPicPr>
+          <p:nvPr/>
+        </p:nvPicPr>
+        <p:blipFill>
+          <a:blip r:embed="rId5"/>
+          <a:stretch>
+            <a:fillRect/>
+          </a:stretch>
+        </p:blipFill>
+        <p:spPr>
+          <a:xfrm>
+            <a:off x="981401" y="1250397"/>
+            <a:ext cx="9414510" cy="5360670"/>
+          </a:xfrm>
+          <a:prstGeom prst="rect">
+            <a:avLst/>
+          </a:prstGeom>
+          <a:ln>
+            <a:solidFill>
+              <a:schemeClr val="tx1"/>
+            </a:solidFill>
+          </a:ln>
+        </p:spPr>
+      </p:pic>
+      <p:pic>
+        <p:nvPicPr>
+          <p:cNvPr id="12" name="Picture 11">
+            <a:extLst>
+              <a:ext uri="{FF2B5EF4-FFF2-40B4-BE49-F238E27FC236}">
+                <a16:creationId xmlns:a16="http://schemas.microsoft.com/office/drawing/2014/main" id="{893C0103-02F6-5C43-FF2E-CEADA2DE6964}"/>
+              </a:ext>
+            </a:extLst>
+          </p:cNvPr>
+          <p:cNvPicPr>
+            <a:picLocks noChangeAspect="1"/>
+          </p:cNvPicPr>
+          <p:nvPr/>
+        </p:nvPicPr>
+        <p:blipFill>
+          <a:blip r:embed="rId6"/>
+          <a:stretch>
+            <a:fillRect/>
+          </a:stretch>
+        </p:blipFill>
+        <p:spPr>
+          <a:xfrm>
+            <a:off x="982816" y="1259480"/>
+            <a:ext cx="9414510" cy="5360670"/>
+          </a:xfrm>
+          <a:prstGeom prst="rect">
+            <a:avLst/>
+          </a:prstGeom>
+          <a:ln>
+            <a:solidFill>
+              <a:schemeClr val="tx1"/>
+            </a:solidFill>
+          </a:ln>
+        </p:spPr>
+      </p:pic>
+    </p:spTree>
+    <p:extLst>
+      <p:ext uri="{BB962C8B-B14F-4D97-AF65-F5344CB8AC3E}">
+        <p14:creationId xmlns:p14="http://schemas.microsoft.com/office/powerpoint/2010/main" val="3179472185"/>
+      </p:ext>
+    </p:extLst>
+  </p:cSld>
+  <p:clrMapOvr>
+    <a:masterClrMapping/>
+  </p:clrMapOvr>
+  <p:transition>
+    <p:fade/>
+  </p:transition>
+  <p:timing>
+    <p:tnLst>
+      <p:par>
+        <p:cTn id="1" dur="indefinite" restart="never" nodeType="tmRoot">
+          <p:childTnLst>
+            <p:seq concurrent="1" nextAc="seek">
+              <p:cTn id="2" dur="indefinite" nodeType="mainSeq">
+                <p:childTnLst>
+                  <p:par>
+                    <p:cTn id="3" fill="hold">
+                      <p:stCondLst>
+                        <p:cond delay="indefinite"/>
+                      </p:stCondLst>
+                      <p:childTnLst>
+                        <p:par>
+                          <p:cTn id="4" fill="hold">
+                            <p:stCondLst>
+                              <p:cond delay="0"/>
+                            </p:stCondLst>
+                            <p:childTnLst>
+                              <p:par>
+                                <p:cTn id="5" presetID="1" presetClass="entr" presetSubtype="0" fill="hold" nodeType="clickEffect">
+                                  <p:stCondLst>
+                                    <p:cond delay="0"/>
+                                  </p:stCondLst>
+                                  <p:childTnLst>
+                                    <p:set>
+                                      <p:cBhvr>
+                                        <p:cTn id="6" dur="1" fill="hold">
+                                          <p:stCondLst>
+                                            <p:cond delay="0"/>
+                                          </p:stCondLst>
+                                        </p:cTn>
+                                        <p:tgtEl>
+                                          <p:spTgt spid="6"/>
+                                        </p:tgtEl>
+                                        <p:attrNameLst>
+                                          <p:attrName>style.visibility</p:attrName>
+                                        </p:attrNameLst>
+                                      </p:cBhvr>
+                                      <p:to>
+                                        <p:strVal val="visible"/>
+                                      </p:to>
+                                    </p:set>
+                                  </p:childTnLst>
+                                </p:cTn>
+                              </p:par>
+                            </p:childTnLst>
+                          </p:cTn>
+                        </p:par>
+                      </p:childTnLst>
+                    </p:cTn>
+                  </p:par>
+                  <p:par>
+                    <p:cTn id="7" fill="hold">
+                      <p:stCondLst>
+                        <p:cond delay="indefinite"/>
+                      </p:stCondLst>
+                      <p:childTnLst>
+                        <p:par>
+                          <p:cTn id="8" fill="hold">
+                            <p:stCondLst>
+                              <p:cond delay="0"/>
+                            </p:stCondLst>
+                            <p:childTnLst>
+                              <p:par>
+                                <p:cTn id="9" presetID="1" presetClass="entr" presetSubtype="0" fill="hold" nodeType="clickEffect">
+                                  <p:stCondLst>
+                                    <p:cond delay="0"/>
+                                  </p:stCondLst>
+                                  <p:childTnLst>
+                                    <p:set>
+                                      <p:cBhvr>
+                                        <p:cTn id="10" dur="1" fill="hold">
+                                          <p:stCondLst>
+                                            <p:cond delay="0"/>
+                                          </p:stCondLst>
+                                        </p:cTn>
+                                        <p:tgtEl>
+                                          <p:spTgt spid="8"/>
+                                        </p:tgtEl>
+                                        <p:attrNameLst>
+                                          <p:attrName>style.visibility</p:attrName>
+                                        </p:attrNameLst>
+                                      </p:cBhvr>
+                                      <p:to>
+                                        <p:strVal val="visible"/>
+                                      </p:to>
+                                    </p:set>
+                                  </p:childTnLst>
+                                </p:cTn>
+                              </p:par>
+                            </p:childTnLst>
+                          </p:cTn>
+                        </p:par>
+                      </p:childTnLst>
+                    </p:cTn>
+                  </p:par>
+                  <p:par>
+                    <p:cTn id="11" fill="hold">
+                      <p:stCondLst>
+                        <p:cond delay="indefinite"/>
+                      </p:stCondLst>
+                      <p:childTnLst>
+                        <p:par>
+                          <p:cTn id="12" fill="hold">
+                            <p:stCondLst>
+                              <p:cond delay="0"/>
+                            </p:stCondLst>
+                            <p:childTnLst>
+                              <p:par>
+                                <p:cTn id="13" presetID="1" presetClass="entr" presetSubtype="0" fill="hold" nodeType="clickEffect">
+                                  <p:stCondLst>
+                                    <p:cond delay="0"/>
+                                  </p:stCondLst>
+                                  <p:childTnLst>
+                                    <p:set>
+                                      <p:cBhvr>
+                                        <p:cTn id="14" dur="1" fill="hold">
+                                          <p:stCondLst>
+                                            <p:cond delay="0"/>
+                                          </p:stCondLst>
+                                        </p:cTn>
+                                        <p:tgtEl>
+                                          <p:spTgt spid="10"/>
+                                        </p:tgtEl>
+                                        <p:attrNameLst>
+                                          <p:attrName>style.visibility</p:attrName>
+                                        </p:attrNameLst>
+                                      </p:cBhvr>
+                                      <p:to>
+                                        <p:strVal val="visible"/>
+                                      </p:to>
+                                    </p:set>
+                                  </p:childTnLst>
+                                </p:cTn>
+                              </p:par>
+                            </p:childTnLst>
+                          </p:cTn>
+                        </p:par>
+                      </p:childTnLst>
+                    </p:cTn>
+                  </p:par>
+                  <p:par>
+                    <p:cTn id="15" fill="hold">
+                      <p:stCondLst>
+                        <p:cond delay="indefinite"/>
+                      </p:stCondLst>
+                      <p:childTnLst>
+                        <p:par>
+                          <p:cTn id="16" fill="hold">
+                            <p:stCondLst>
+                              <p:cond delay="0"/>
+                            </p:stCondLst>
+                            <p:childTnLst>
+                              <p:par>
+                                <p:cTn id="17" presetID="1" presetClass="entr" presetSubtype="0" fill="hold" nodeType="clickEffect">
+                                  <p:stCondLst>
+                                    <p:cond delay="0"/>
+                                  </p:stCondLst>
+                                  <p:childTnLst>
+                                    <p:set>
+                                      <p:cBhvr>
+                                        <p:cTn id="18" dur="1" fill="hold">
+                                          <p:stCondLst>
+                                            <p:cond delay="0"/>
+                                          </p:stCondLst>
+                                        </p:cTn>
+                                        <p:tgtEl>
+                                          <p:spTgt spid="12"/>
+                                        </p:tgtEl>
+                                        <p:attrNameLst>
+                                          <p:attrName>style.visibility</p:attrName>
+                                        </p:attrNameLst>
+                                      </p:cBhvr>
+                                      <p:to>
+                                        <p:strVal val="visible"/>
+                                      </p:to>
+                                    </p:set>
+                                  </p:childTnLst>
+                                </p:cTn>
+                              </p:par>
+                            </p:childTnLst>
+                          </p:cTn>
+                        </p:par>
+                      </p:childTnLst>
+                    </p:cTn>
+                  </p:par>
+                </p:childTnLst>
+              </p:cTn>
+              <p:prevCondLst>
+                <p:cond evt="onPrev" delay="0">
+                  <p:tgtEl>
+                    <p:sldTgt/>
+                  </p:tgtEl>
+                </p:cond>
+              </p:prevCondLst>
+              <p:nextCondLst>
+                <p:cond evt="onNext" delay="0">
+                  <p:tgtEl>
+                    <p:sldTgt/>
+                  </p:tgtEl>
+                </p:cond>
+              </p:nextCondLst>
+            </p:seq>
+          </p:childTnLst>
+        </p:cTn>
+      </p:par>
+    </p:tnLst>
+  </p:timing>
+</p:sld>
+</file>
+
+<file path=ppt/slides/slide17.xml><?xml version="1.0" encoding="utf-8"?>
 <p:sld xmlns:a="http://schemas.openxmlformats.org/drawingml/2006/main" xmlns:r="http://schemas.openxmlformats.org/officeDocument/2006/relationships" xmlns:p="http://schemas.openxmlformats.org/presentationml/2006/main">
   <p:cSld>
     <p:spTree>
@@ -5135,7 +6319,7 @@
 </p:sld>
 </file>
 
-<file path=ppt/slides/slide17.xml><?xml version="1.0" encoding="utf-8"?>
+<file path=ppt/slides/slide18.xml><?xml version="1.0" encoding="utf-8"?>
 <p:sld xmlns:a="http://schemas.openxmlformats.org/drawingml/2006/main" xmlns:r="http://schemas.openxmlformats.org/officeDocument/2006/relationships" xmlns:p="http://schemas.openxmlformats.org/presentationml/2006/main">
   <p:cSld>
     <p:spTree>
@@ -5233,7 +6417,7 @@
 </p:sld>
 </file>
 
-<file path=ppt/slides/slide18.xml><?xml version="1.0" encoding="utf-8"?>
+<file path=ppt/slides/slide19.xml><?xml version="1.0" encoding="utf-8"?>
 <p:sld xmlns:a="http://schemas.openxmlformats.org/drawingml/2006/main" xmlns:r="http://schemas.openxmlformats.org/officeDocument/2006/relationships" xmlns:p="http://schemas.openxmlformats.org/presentationml/2006/main">
   <p:cSld>
     <p:spTree>
@@ -5352,151 +6536,6 @@
     <p:extLst>
       <p:ext uri="{BB962C8B-B14F-4D97-AF65-F5344CB8AC3E}">
         <p14:creationId xmlns:p14="http://schemas.microsoft.com/office/powerpoint/2010/main" val="2008916288"/>
-      </p:ext>
-    </p:extLst>
-  </p:cSld>
-  <p:clrMapOvr>
-    <a:masterClrMapping/>
-  </p:clrMapOvr>
-  <p:transition>
-    <p:fade/>
-  </p:transition>
-</p:sld>
-</file>
-
-<file path=ppt/slides/slide19.xml><?xml version="1.0" encoding="utf-8"?>
-<p:sld xmlns:a="http://schemas.openxmlformats.org/drawingml/2006/main" xmlns:r="http://schemas.openxmlformats.org/officeDocument/2006/relationships" xmlns:p="http://schemas.openxmlformats.org/presentationml/2006/main">
-  <p:cSld>
-    <p:spTree>
-      <p:nvGrpSpPr>
-        <p:cNvPr id="1" name=""/>
-        <p:cNvGrpSpPr/>
-        <p:nvPr/>
-      </p:nvGrpSpPr>
-      <p:grpSpPr>
-        <a:xfrm>
-          <a:off x="0" y="0"/>
-          <a:ext cx="0" cy="0"/>
-          <a:chOff x="0" y="0"/>
-          <a:chExt cx="0" cy="0"/>
-        </a:xfrm>
-      </p:grpSpPr>
-      <p:sp>
-        <p:nvSpPr>
-          <p:cNvPr id="2" name="Title 1">
-            <a:extLst>
-              <a:ext uri="{FF2B5EF4-FFF2-40B4-BE49-F238E27FC236}">
-                <a16:creationId xmlns:a16="http://schemas.microsoft.com/office/drawing/2014/main" id="{0EC89467-D9FD-3F30-3A5A-48D7082EA5BD}"/>
-              </a:ext>
-            </a:extLst>
-          </p:cNvPr>
-          <p:cNvSpPr>
-            <a:spLocks noGrp="1"/>
-          </p:cNvSpPr>
-          <p:nvPr>
-            <p:ph type="title"/>
-          </p:nvPr>
-        </p:nvSpPr>
-        <p:spPr/>
-        <p:txBody>
-          <a:bodyPr/>
-          <a:lstStyle/>
-          <a:p>
-            <a:r>
-              <a:rPr lang="en-US" dirty="0"/>
-              <a:t>Resources &amp; Links</a:t>
-            </a:r>
-          </a:p>
-        </p:txBody>
-      </p:sp>
-      <p:sp>
-        <p:nvSpPr>
-          <p:cNvPr id="3" name="Text Placeholder 2">
-            <a:extLst>
-              <a:ext uri="{FF2B5EF4-FFF2-40B4-BE49-F238E27FC236}">
-                <a16:creationId xmlns:a16="http://schemas.microsoft.com/office/drawing/2014/main" id="{A10B511F-4702-4A8F-86BF-C6FCDD9829C4}"/>
-              </a:ext>
-            </a:extLst>
-          </p:cNvPr>
-          <p:cNvSpPr>
-            <a:spLocks noGrp="1"/>
-          </p:cNvSpPr>
-          <p:nvPr>
-            <p:ph type="body" sz="quarter" idx="10"/>
-          </p:nvPr>
-        </p:nvSpPr>
-        <p:spPr>
-          <a:xfrm>
-            <a:off x="511277" y="1227439"/>
-            <a:ext cx="11604521" cy="3716402"/>
-          </a:xfrm>
-        </p:spPr>
-        <p:txBody>
-          <a:bodyPr/>
-          <a:lstStyle/>
-          <a:p>
-            <a:r>
-              <a:rPr lang="en-US" dirty="0"/>
-              <a:t>Embed a Quick Report</a:t>
-            </a:r>
-            <a:br>
-              <a:rPr lang="en-US" sz="2000" dirty="0"/>
-            </a:br>
-            <a:r>
-              <a:rPr lang="en-US" sz="2000" dirty="0">
-                <a:hlinkClick r:id="rId2"/>
-              </a:rPr>
-              <a:t>https://learn.microsoft.com/en-us/javascript/api/overview/powerbi/embed-quick-report</a:t>
-            </a:r>
-            <a:endParaRPr lang="en-US" sz="2000" dirty="0"/>
-          </a:p>
-          <a:p>
-            <a:endParaRPr lang="en-US" sz="2000" dirty="0"/>
-          </a:p>
-          <a:p>
-            <a:r>
-              <a:rPr lang="en-US" dirty="0"/>
-              <a:t>QuickCreate Class</a:t>
-            </a:r>
-            <a:br>
-              <a:rPr lang="en-US" sz="2000" dirty="0"/>
-            </a:br>
-            <a:r>
-              <a:rPr lang="en-US" sz="2000" dirty="0">
-                <a:hlinkClick r:id="rId3"/>
-              </a:rPr>
-              <a:t>https://learn.microsoft.com/en-us/javascript/api/powerbi/powerbi-client/quickcreate.quickcreate</a:t>
-            </a:r>
-            <a:endParaRPr lang="en-US" sz="2000" dirty="0"/>
-          </a:p>
-          <a:p>
-            <a:endParaRPr lang="en-US" sz="2000" dirty="0"/>
-          </a:p>
-          <a:p>
-            <a:r>
-              <a:rPr lang="en-US" dirty="0"/>
-              <a:t>QuickCreate Configuration</a:t>
-            </a:r>
-            <a:br>
-              <a:rPr lang="en-US" sz="2000" dirty="0"/>
-            </a:br>
-            <a:r>
-              <a:rPr lang="en-US" sz="2000" dirty="0">
-                <a:hlinkClick r:id="rId4"/>
-              </a:rPr>
-              <a:t>https://learn.microsoft.com/en-us/javascript/api/powerbi/powerbi-models/iquickcreateconfiguration</a:t>
-            </a:r>
-            <a:endParaRPr lang="en-US" sz="2000" dirty="0"/>
-          </a:p>
-          <a:p>
-            <a:endParaRPr lang="en-US" sz="2000" dirty="0"/>
-          </a:p>
-        </p:txBody>
-      </p:sp>
-    </p:spTree>
-    <p:extLst>
-      <p:ext uri="{BB962C8B-B14F-4D97-AF65-F5344CB8AC3E}">
-        <p14:creationId xmlns:p14="http://schemas.microsoft.com/office/powerpoint/2010/main" val="1414824960"/>
       </p:ext>
     </p:extLst>
   </p:cSld>
@@ -6088,6 +7127,151 @@
 </file>
 
 <file path=ppt/slides/slide20.xml><?xml version="1.0" encoding="utf-8"?>
+<p:sld xmlns:a="http://schemas.openxmlformats.org/drawingml/2006/main" xmlns:r="http://schemas.openxmlformats.org/officeDocument/2006/relationships" xmlns:p="http://schemas.openxmlformats.org/presentationml/2006/main">
+  <p:cSld>
+    <p:spTree>
+      <p:nvGrpSpPr>
+        <p:cNvPr id="1" name=""/>
+        <p:cNvGrpSpPr/>
+        <p:nvPr/>
+      </p:nvGrpSpPr>
+      <p:grpSpPr>
+        <a:xfrm>
+          <a:off x="0" y="0"/>
+          <a:ext cx="0" cy="0"/>
+          <a:chOff x="0" y="0"/>
+          <a:chExt cx="0" cy="0"/>
+        </a:xfrm>
+      </p:grpSpPr>
+      <p:sp>
+        <p:nvSpPr>
+          <p:cNvPr id="2" name="Title 1">
+            <a:extLst>
+              <a:ext uri="{FF2B5EF4-FFF2-40B4-BE49-F238E27FC236}">
+                <a16:creationId xmlns:a16="http://schemas.microsoft.com/office/drawing/2014/main" id="{0EC89467-D9FD-3F30-3A5A-48D7082EA5BD}"/>
+              </a:ext>
+            </a:extLst>
+          </p:cNvPr>
+          <p:cNvSpPr>
+            <a:spLocks noGrp="1"/>
+          </p:cNvSpPr>
+          <p:nvPr>
+            <p:ph type="title"/>
+          </p:nvPr>
+        </p:nvSpPr>
+        <p:spPr/>
+        <p:txBody>
+          <a:bodyPr/>
+          <a:lstStyle/>
+          <a:p>
+            <a:r>
+              <a:rPr lang="en-US" dirty="0"/>
+              <a:t>Resources &amp; Links</a:t>
+            </a:r>
+          </a:p>
+        </p:txBody>
+      </p:sp>
+      <p:sp>
+        <p:nvSpPr>
+          <p:cNvPr id="3" name="Text Placeholder 2">
+            <a:extLst>
+              <a:ext uri="{FF2B5EF4-FFF2-40B4-BE49-F238E27FC236}">
+                <a16:creationId xmlns:a16="http://schemas.microsoft.com/office/drawing/2014/main" id="{A10B511F-4702-4A8F-86BF-C6FCDD9829C4}"/>
+              </a:ext>
+            </a:extLst>
+          </p:cNvPr>
+          <p:cNvSpPr>
+            <a:spLocks noGrp="1"/>
+          </p:cNvSpPr>
+          <p:nvPr>
+            <p:ph type="body" sz="quarter" idx="10"/>
+          </p:nvPr>
+        </p:nvSpPr>
+        <p:spPr>
+          <a:xfrm>
+            <a:off x="511277" y="1227439"/>
+            <a:ext cx="11604521" cy="3716402"/>
+          </a:xfrm>
+        </p:spPr>
+        <p:txBody>
+          <a:bodyPr/>
+          <a:lstStyle/>
+          <a:p>
+            <a:r>
+              <a:rPr lang="en-US" dirty="0"/>
+              <a:t>Embed a Quick Report</a:t>
+            </a:r>
+            <a:br>
+              <a:rPr lang="en-US" sz="2000" dirty="0"/>
+            </a:br>
+            <a:r>
+              <a:rPr lang="en-US" sz="2000" dirty="0">
+                <a:hlinkClick r:id="rId2"/>
+              </a:rPr>
+              <a:t>https://learn.microsoft.com/en-us/javascript/api/overview/powerbi/embed-quick-report</a:t>
+            </a:r>
+            <a:endParaRPr lang="en-US" sz="2000" dirty="0"/>
+          </a:p>
+          <a:p>
+            <a:endParaRPr lang="en-US" sz="2000" dirty="0"/>
+          </a:p>
+          <a:p>
+            <a:r>
+              <a:rPr lang="en-US" dirty="0"/>
+              <a:t>QuickCreate Class</a:t>
+            </a:r>
+            <a:br>
+              <a:rPr lang="en-US" sz="2000" dirty="0"/>
+            </a:br>
+            <a:r>
+              <a:rPr lang="en-US" sz="2000" dirty="0">
+                <a:hlinkClick r:id="rId3"/>
+              </a:rPr>
+              <a:t>https://learn.microsoft.com/en-us/javascript/api/powerbi/powerbi-client/quickcreate.quickcreate</a:t>
+            </a:r>
+            <a:endParaRPr lang="en-US" sz="2000" dirty="0"/>
+          </a:p>
+          <a:p>
+            <a:endParaRPr lang="en-US" sz="2000" dirty="0"/>
+          </a:p>
+          <a:p>
+            <a:r>
+              <a:rPr lang="en-US" dirty="0"/>
+              <a:t>QuickCreate Configuration</a:t>
+            </a:r>
+            <a:br>
+              <a:rPr lang="en-US" sz="2000" dirty="0"/>
+            </a:br>
+            <a:r>
+              <a:rPr lang="en-US" sz="2000" dirty="0">
+                <a:hlinkClick r:id="rId4"/>
+              </a:rPr>
+              <a:t>https://learn.microsoft.com/en-us/javascript/api/powerbi/powerbi-models/iquickcreateconfiguration</a:t>
+            </a:r>
+            <a:endParaRPr lang="en-US" sz="2000" dirty="0"/>
+          </a:p>
+          <a:p>
+            <a:endParaRPr lang="en-US" sz="2000" dirty="0"/>
+          </a:p>
+        </p:txBody>
+      </p:sp>
+    </p:spTree>
+    <p:extLst>
+      <p:ext uri="{BB962C8B-B14F-4D97-AF65-F5344CB8AC3E}">
+        <p14:creationId xmlns:p14="http://schemas.microsoft.com/office/powerpoint/2010/main" val="1414824960"/>
+      </p:ext>
+    </p:extLst>
+  </p:cSld>
+  <p:clrMapOvr>
+    <a:masterClrMapping/>
+  </p:clrMapOvr>
+  <p:transition>
+    <p:fade/>
+  </p:transition>
+</p:sld>
+</file>
+
+<file path=ppt/slides/slide21.xml><?xml version="1.0" encoding="utf-8"?>
 <p:sld xmlns:a="http://schemas.openxmlformats.org/drawingml/2006/main" xmlns:r="http://schemas.openxmlformats.org/officeDocument/2006/relationships" xmlns:p="http://schemas.openxmlformats.org/presentationml/2006/main">
   <p:cSld>
     <p:bg>
@@ -8189,12 +9373,6 @@
 </file>
 
 <file path=customXml/item1.xml><?xml version="1.0" encoding="utf-8"?>
-<p:properties xmlns:p="http://schemas.microsoft.com/office/2006/metadata/properties" xmlns:xsi="http://www.w3.org/2001/XMLSchema-instance" xmlns:pc="http://schemas.microsoft.com/office/infopath/2007/PartnerControls">
-  <documentManagement/>
-</p:properties>
-</file>
-
-<file path=customXml/item2.xml><?xml version="1.0" encoding="utf-8"?>
 <ct:contentTypeSchema xmlns:ct="http://schemas.microsoft.com/office/2006/metadata/contentType" xmlns:ma="http://schemas.microsoft.com/office/2006/metadata/properties/metaAttributes" ct:_="" ma:_="" ma:contentTypeName="Document" ma:contentTypeID="0x0101000937CBA2829AB54C847AA138BDB6DD62" ma:contentTypeVersion="6" ma:contentTypeDescription="Create a new document." ma:contentTypeScope="" ma:versionID="0f7e39fa3406a6f330081ac46f53a9d2">
   <xsd:schema xmlns:xsd="http://www.w3.org/2001/XMLSchema" xmlns:xs="http://www.w3.org/2001/XMLSchema" xmlns:p="http://schemas.microsoft.com/office/2006/metadata/properties" xmlns:ns2="ef38329b-e139-4eb4-9d7a-1b84c79a6610" targetNamespace="http://schemas.microsoft.com/office/2006/metadata/properties" ma:root="true" ma:fieldsID="c5e10262f8d934c139771ac03f38712c" ns2:_="">
     <xsd:import namespace="ef38329b-e139-4eb4-9d7a-1b84c79a6610"/>
@@ -8346,6 +9524,12 @@
 </ct:contentTypeSchema>
 </file>
 
+<file path=customXml/item2.xml><?xml version="1.0" encoding="utf-8"?>
+<p:properties xmlns:p="http://schemas.microsoft.com/office/2006/metadata/properties" xmlns:xsi="http://www.w3.org/2001/XMLSchema-instance" xmlns:pc="http://schemas.microsoft.com/office/infopath/2007/PartnerControls">
+  <documentManagement/>
+</p:properties>
+</file>
+
 <file path=customXml/item3.xml><?xml version="1.0" encoding="utf-8"?>
 <?mso-contentType ?>
 <FormTemplates xmlns="http://schemas.microsoft.com/sharepoint/v3/contenttype/forms">
@@ -8356,22 +9540,6 @@
 </file>
 
 <file path=customXml/itemProps1.xml><?xml version="1.0" encoding="utf-8"?>
-<ds:datastoreItem xmlns:ds="http://schemas.openxmlformats.org/officeDocument/2006/customXml" ds:itemID="{F990F116-B58F-4255-B05B-DA3808E0E5C6}">
-  <ds:schemaRefs>
-    <ds:schemaRef ds:uri="http://schemas.microsoft.com/office/infopath/2007/PartnerControls"/>
-    <ds:schemaRef ds:uri="http://purl.org/dc/terms/"/>
-    <ds:schemaRef ds:uri="http://purl.org/dc/elements/1.1/"/>
-    <ds:schemaRef ds:uri="http://www.w3.org/XML/1998/namespace"/>
-    <ds:schemaRef ds:uri="http://schemas.microsoft.com/office/2006/documentManagement/types"/>
-    <ds:schemaRef ds:uri="http://purl.org/dc/dcmitype/"/>
-    <ds:schemaRef ds:uri="ef38329b-e139-4eb4-9d7a-1b84c79a6610"/>
-    <ds:schemaRef ds:uri="http://schemas.openxmlformats.org/package/2006/metadata/core-properties"/>
-    <ds:schemaRef ds:uri="http://schemas.microsoft.com/office/2006/metadata/properties"/>
-  </ds:schemaRefs>
-</ds:datastoreItem>
-</file>
-
-<file path=customXml/itemProps2.xml><?xml version="1.0" encoding="utf-8"?>
 <ds:datastoreItem xmlns:ds="http://schemas.openxmlformats.org/officeDocument/2006/customXml" ds:itemID="{A4052A8C-2220-4E4B-95E2-C05C9863F10E}">
   <ds:schemaRefs>
     <ds:schemaRef ds:uri="ef38329b-e139-4eb4-9d7a-1b84c79a6610"/>
@@ -8385,6 +9553,22 @@
     <ds:schemaRef ds:uri="http://schemas.microsoft.com/office/infopath/2007/PartnerControls"/>
     <ds:schemaRef ds:uri="http://schemas.openxmlformats.org/package/2006/metadata/core-properties"/>
     <ds:schemaRef ds:uri="http://www.w3.org/2001/XMLSchema"/>
+  </ds:schemaRefs>
+</ds:datastoreItem>
+</file>
+
+<file path=customXml/itemProps2.xml><?xml version="1.0" encoding="utf-8"?>
+<ds:datastoreItem xmlns:ds="http://schemas.openxmlformats.org/officeDocument/2006/customXml" ds:itemID="{F990F116-B58F-4255-B05B-DA3808E0E5C6}">
+  <ds:schemaRefs>
+    <ds:schemaRef ds:uri="http://schemas.microsoft.com/office/infopath/2007/PartnerControls"/>
+    <ds:schemaRef ds:uri="http://purl.org/dc/terms/"/>
+    <ds:schemaRef ds:uri="http://purl.org/dc/elements/1.1/"/>
+    <ds:schemaRef ds:uri="http://www.w3.org/XML/1998/namespace"/>
+    <ds:schemaRef ds:uri="http://schemas.microsoft.com/office/2006/documentManagement/types"/>
+    <ds:schemaRef ds:uri="http://purl.org/dc/dcmitype/"/>
+    <ds:schemaRef ds:uri="ef38329b-e139-4eb4-9d7a-1b84c79a6610"/>
+    <ds:schemaRef ds:uri="http://schemas.openxmlformats.org/package/2006/metadata/core-properties"/>
+    <ds:schemaRef ds:uri="http://schemas.microsoft.com/office/2006/metadata/properties"/>
   </ds:schemaRefs>
 </ds:datastoreItem>
 </file>
